--- a/Divers/PrésentationQDP.pptx
+++ b/Divers/PrésentationQDP.pptx
@@ -6491,15 +6491,44 @@
           </a:p>
         </p:txBody>
       </p:sp>
+      <p:sp>
+        <p:nvSpPr>
+          <p:cNvPr id="6" name="Espace réservé du numéro de diapositive 5"/>
+          <p:cNvSpPr>
+            <a:spLocks noGrp="1"/>
+          </p:cNvSpPr>
+          <p:nvPr>
+            <p:ph type="sldNum" sz="quarter" idx="12"/>
+          </p:nvPr>
+        </p:nvSpPr>
+        <p:spPr>
+          <a:xfrm>
+            <a:off x="10951856" y="5883275"/>
+            <a:ext cx="551167" cy="365125"/>
+          </a:xfrm>
+        </p:spPr>
+        <p:txBody>
+          <a:bodyPr/>
+          <a:lstStyle/>
+          <a:p>
+            <a:fld id="{D57F1E4F-1CFF-5643-939E-217C01CDF565}" type="slidenum">
+              <a:rPr lang="en-US" smtClean="0"/>
+              <a:pPr/>
+              <a:t>1</a:t>
+            </a:fld>
+            <a:endParaRPr lang="en-US" dirty="0"/>
+          </a:p>
+        </p:txBody>
+      </p:sp>
       <p:pic>
         <p:nvPicPr>
-          <p:cNvPr id="4" name="Image 3"/>
+          <p:cNvPr id="1026" name="Picture 2" descr="http://www.communication.uha.fr/accueil-personnels/images/fst.png"/>
           <p:cNvPicPr>
-            <a:picLocks noChangeAspect="1"/>
+            <a:picLocks noChangeAspect="1" noChangeArrowheads="1"/>
           </p:cNvPicPr>
           <p:nvPr/>
         </p:nvPicPr>
-        <p:blipFill rotWithShape="1">
+        <p:blipFill>
           <a:blip r:embed="rId2">
             <a:extLst>
               <a:ext uri="{28A0092B-C50C-407E-A947-70E740481C1C}">
@@ -6507,48 +6536,31 @@
               </a:ext>
             </a:extLst>
           </a:blip>
-          <a:srcRect l="4679" t="30129" r="3287" b="36968"/>
-          <a:stretch/>
+          <a:srcRect/>
+          <a:stretch>
+            <a:fillRect/>
+          </a:stretch>
         </p:blipFill>
-        <p:spPr>
+        <p:spPr bwMode="auto">
           <a:xfrm>
-            <a:off x="8417701" y="600261"/>
-            <a:ext cx="3085322" cy="779807"/>
+            <a:off x="5807675" y="177489"/>
+            <a:ext cx="6034088" cy="1202579"/>
           </a:xfrm>
           <a:prstGeom prst="rect">
             <a:avLst/>
           </a:prstGeom>
+          <a:noFill/>
+          <a:extLst>
+            <a:ext uri="{909E8E84-426E-40DD-AFC4-6F175D3DCCD1}">
+              <a14:hiddenFill xmlns:a14="http://schemas.microsoft.com/office/drawing/2010/main">
+                <a:solidFill>
+                  <a:srgbClr val="FFFFFF"/>
+                </a:solidFill>
+              </a14:hiddenFill>
+            </a:ext>
+          </a:extLst>
         </p:spPr>
       </p:pic>
-      <p:sp>
-        <p:nvSpPr>
-          <p:cNvPr id="6" name="Espace réservé du numéro de diapositive 5"/>
-          <p:cNvSpPr>
-            <a:spLocks noGrp="1"/>
-          </p:cNvSpPr>
-          <p:nvPr>
-            <p:ph type="sldNum" sz="quarter" idx="12"/>
-          </p:nvPr>
-        </p:nvSpPr>
-        <p:spPr>
-          <a:xfrm>
-            <a:off x="10951856" y="5883275"/>
-            <a:ext cx="551167" cy="365125"/>
-          </a:xfrm>
-        </p:spPr>
-        <p:txBody>
-          <a:bodyPr/>
-          <a:lstStyle/>
-          <a:p>
-            <a:fld id="{D57F1E4F-1CFF-5643-939E-217C01CDF565}" type="slidenum">
-              <a:rPr lang="en-US" smtClean="0"/>
-              <a:pPr/>
-              <a:t>1</a:t>
-            </a:fld>
-            <a:endParaRPr lang="en-US" dirty="0"/>
-          </a:p>
-        </p:txBody>
-      </p:sp>
     </p:spTree>
     <p:extLst>
       <p:ext uri="{BB962C8B-B14F-4D97-AF65-F5344CB8AC3E}">
@@ -6591,7 +6603,7 @@
         </p:nvSpPr>
         <p:spPr>
           <a:xfrm>
-            <a:off x="1484311" y="685800"/>
+            <a:off x="1941511" y="428066"/>
             <a:ext cx="10018713" cy="1752599"/>
           </a:xfrm>
         </p:spPr>
@@ -6604,13 +6616,21 @@
             <a:pPr algn="l"/>
             <a:r>
               <a:rPr lang="fr-FR" dirty="0"/>
-              <a:t>Les classes</a:t>
+              <a:t>L</a:t>
+            </a:r>
+            <a:r>
+              <a:rPr lang="fr-FR" sz="4400" dirty="0"/>
+              <a:t>es classes</a:t>
             </a:r>
             <a:br>
               <a:rPr lang="fr-FR" dirty="0"/>
             </a:br>
             <a:r>
               <a:rPr lang="fr-FR" dirty="0"/>
+              <a:t>	</a:t>
+            </a:r>
+            <a:r>
+              <a:rPr lang="fr-FR" sz="3600" dirty="0"/>
               <a:t>Afficheurs</a:t>
             </a:r>
             <a:br>
@@ -6630,9 +6650,16 @@
             <p:ph idx="1"/>
           </p:nvPr>
         </p:nvSpPr>
-        <p:spPr/>
-        <p:txBody>
-          <a:bodyPr/>
+        <p:spPr>
+          <a:xfrm>
+            <a:off x="1323672" y="2545790"/>
+            <a:ext cx="10018713" cy="3124201"/>
+          </a:xfrm>
+        </p:spPr>
+        <p:txBody>
+          <a:bodyPr>
+            <a:normAutofit/>
+          </a:bodyPr>
           <a:lstStyle/>
           <a:p>
             <a:r>
@@ -6641,15 +6668,35 @@
             </a:r>
           </a:p>
           <a:p>
+            <a:endParaRPr lang="fr-FR" dirty="0"/>
+          </a:p>
+          <a:p>
             <a:r>
               <a:rPr lang="fr-FR" dirty="0"/>
-              <a:t>Un afficheur console</a:t>
-            </a:r>
-          </a:p>
-          <a:p>
+              <a:t>Deux classes héritées :</a:t>
+            </a:r>
+          </a:p>
+          <a:p>
+            <a:pPr lvl="1"/>
+            <a:r>
+              <a:rPr lang="fr-FR" sz="2400" dirty="0"/>
+              <a:t>Un afficheur console </a:t>
+            </a:r>
+          </a:p>
+          <a:p>
+            <a:pPr lvl="1"/>
+            <a:r>
+              <a:rPr lang="fr-FR" sz="2400" dirty="0"/>
+              <a:t>Un afficheur CSV qui permet </a:t>
+            </a:r>
+          </a:p>
+          <a:p>
+            <a:pPr marL="0" indent="0">
+              <a:buNone/>
+            </a:pPr>
             <a:r>
               <a:rPr lang="fr-FR" dirty="0"/>
-              <a:t>Un afficheur CSV qui permet la sortie au format </a:t>
+              <a:t>	l’import au format </a:t>
             </a:r>
             <a:r>
               <a:rPr lang="fr-FR" dirty="0" err="1"/>
@@ -6683,6 +6730,37 @@
           </a:p>
         </p:txBody>
       </p:sp>
+      <p:pic>
+        <p:nvPicPr>
+          <p:cNvPr id="5" name="Image 4"/>
+          <p:cNvPicPr>
+            <a:picLocks noChangeAspect="1"/>
+          </p:cNvPicPr>
+          <p:nvPr/>
+        </p:nvPicPr>
+        <p:blipFill>
+          <a:blip r:embed="rId2"/>
+          <a:stretch>
+            <a:fillRect/>
+          </a:stretch>
+        </p:blipFill>
+        <p:spPr>
+          <a:xfrm>
+            <a:off x="5939455" y="2200660"/>
+            <a:ext cx="6020769" cy="3834456"/>
+          </a:xfrm>
+          <a:prstGeom prst="rect">
+            <a:avLst/>
+          </a:prstGeom>
+          <a:effectLst>
+            <a:outerShdw blurRad="63500" sx="102000" sy="102000" algn="ctr" rotWithShape="0">
+              <a:prstClr val="black">
+                <a:alpha val="40000"/>
+              </a:prstClr>
+            </a:outerShdw>
+          </a:effectLst>
+        </p:spPr>
+      </p:pic>
     </p:spTree>
     <p:extLst>
       <p:ext uri="{BB962C8B-B14F-4D97-AF65-F5344CB8AC3E}">
@@ -6725,7 +6803,7 @@
         </p:nvSpPr>
         <p:spPr>
           <a:xfrm>
-            <a:off x="1484310" y="341245"/>
+            <a:off x="1682018" y="138881"/>
             <a:ext cx="10018713" cy="1752599"/>
           </a:xfrm>
         </p:spPr>
@@ -6735,14 +6813,18 @@
           <a:p>
             <a:pPr algn="l"/>
             <a:r>
-              <a:rPr lang="fr-FR" sz="3600" dirty="0"/>
+              <a:rPr lang="fr-FR" dirty="0"/>
               <a:t>Les classes</a:t>
             </a:r>
             <a:br>
               <a:rPr lang="fr-FR" dirty="0"/>
             </a:br>
             <a:r>
-              <a:rPr lang="fr-FR" sz="2800" dirty="0"/>
+              <a:rPr lang="fr-FR" dirty="0"/>
+              <a:t>	</a:t>
+            </a:r>
+            <a:r>
+              <a:rPr lang="fr-FR" sz="3200" dirty="0"/>
               <a:t>Affichage graphique (non terminé)</a:t>
             </a:r>
             <a:endParaRPr lang="fr-FR" dirty="0"/>
@@ -6797,12 +6879,19 @@
         </p:blipFill>
         <p:spPr>
           <a:xfrm>
-            <a:off x="1484310" y="1842053"/>
-            <a:ext cx="8918647" cy="4611756"/>
+            <a:off x="1150677" y="1755555"/>
+            <a:ext cx="9191928" cy="4719385"/>
           </a:xfrm>
           <a:prstGeom prst="rect">
             <a:avLst/>
           </a:prstGeom>
+          <a:effectLst>
+            <a:outerShdw blurRad="63500" sx="102000" sy="102000" algn="ctr" rotWithShape="0">
+              <a:prstClr val="black">
+                <a:alpha val="40000"/>
+              </a:prstClr>
+            </a:outerShdw>
+          </a:effectLst>
         </p:spPr>
       </p:pic>
     </p:spTree>
@@ -6845,7 +6934,12 @@
             <p:ph type="title"/>
           </p:nvPr>
         </p:nvSpPr>
-        <p:spPr/>
+        <p:spPr>
+          <a:xfrm>
+            <a:off x="1830300" y="179173"/>
+            <a:ext cx="10018713" cy="1752599"/>
+          </a:xfrm>
+        </p:spPr>
         <p:txBody>
           <a:bodyPr/>
           <a:lstStyle/>
@@ -6868,9 +6962,16 @@
             <p:ph idx="1"/>
           </p:nvPr>
         </p:nvSpPr>
-        <p:spPr/>
-        <p:txBody>
-          <a:bodyPr/>
+        <p:spPr>
+          <a:xfrm>
+            <a:off x="1644947" y="2397211"/>
+            <a:ext cx="10018713" cy="4075401"/>
+          </a:xfrm>
+        </p:spPr>
+        <p:txBody>
+          <a:bodyPr>
+            <a:normAutofit fontScale="92500" lnSpcReduction="10000"/>
+          </a:bodyPr>
           <a:lstStyle/>
           <a:p>
             <a:r>
@@ -6879,10 +6980,26 @@
             </a:r>
           </a:p>
           <a:p>
+            <a:pPr lvl="1"/>
+            <a:endParaRPr lang="fr-FR" dirty="0"/>
+          </a:p>
+          <a:p>
             <a:r>
               <a:rPr lang="fr-FR" dirty="0"/>
-              <a:t>Doivent permettre de définir le comportement des méthodes</a:t>
-            </a:r>
+              <a:t>Doivent permettre de définir </a:t>
+            </a:r>
+          </a:p>
+          <a:p>
+            <a:pPr marL="0" indent="0">
+              <a:buNone/>
+            </a:pPr>
+            <a:r>
+              <a:rPr lang="fr-FR" dirty="0"/>
+              <a:t>le comportement des méthodes</a:t>
+            </a:r>
+          </a:p>
+          <a:p>
+            <a:endParaRPr lang="fr-FR" dirty="0"/>
           </a:p>
           <a:p>
             <a:r>
@@ -6891,9 +7008,18 @@
             </a:r>
           </a:p>
           <a:p>
+            <a:endParaRPr lang="fr-FR" dirty="0"/>
+          </a:p>
+          <a:p>
             <a:r>
               <a:rPr lang="fr-FR" dirty="0"/>
-              <a:t>Nous auraient probablement permis de réaliser un code plus fonctionnelle</a:t>
+              <a:t>Nous auraient probablement permis de </a:t>
+            </a:r>
+          </a:p>
+          <a:p>
+            <a:r>
+              <a:rPr lang="fr-FR" dirty="0"/>
+              <a:t>réaliser un code plus fonctionnelle</a:t>
             </a:r>
           </a:p>
           <a:p>
@@ -6931,6 +7057,40 @@
           </a:p>
         </p:txBody>
       </p:sp>
+      <p:pic>
+        <p:nvPicPr>
+          <p:cNvPr id="5" name="Image 4"/>
+          <p:cNvPicPr>
+            <a:picLocks noChangeAspect="1"/>
+          </p:cNvPicPr>
+          <p:nvPr/>
+        </p:nvPicPr>
+        <p:blipFill>
+          <a:blip r:embed="rId2"/>
+          <a:stretch>
+            <a:fillRect/>
+          </a:stretch>
+        </p:blipFill>
+        <p:spPr>
+          <a:xfrm>
+            <a:off x="6586151" y="1532239"/>
+            <a:ext cx="5424617" cy="4810768"/>
+          </a:xfrm>
+          <a:prstGeom prst="rect">
+            <a:avLst/>
+          </a:prstGeom>
+          <a:ln>
+            <a:noFill/>
+          </a:ln>
+          <a:effectLst>
+            <a:outerShdw blurRad="63500" sx="102000" sy="102000" algn="ctr" rotWithShape="0">
+              <a:prstClr val="black">
+                <a:alpha val="40000"/>
+              </a:prstClr>
+            </a:outerShdw>
+          </a:effectLst>
+        </p:spPr>
+      </p:pic>
     </p:spTree>
     <p:extLst>
       <p:ext uri="{BB962C8B-B14F-4D97-AF65-F5344CB8AC3E}">
@@ -7099,7 +7259,12 @@
             <p:ph type="title"/>
           </p:nvPr>
         </p:nvSpPr>
-        <p:spPr/>
+        <p:spPr>
+          <a:xfrm>
+            <a:off x="1941511" y="39300"/>
+            <a:ext cx="10018713" cy="1752599"/>
+          </a:xfrm>
+        </p:spPr>
         <p:txBody>
           <a:bodyPr/>
           <a:lstStyle/>
@@ -7146,10 +7311,15 @@
             <p:ph idx="1"/>
           </p:nvPr>
         </p:nvSpPr>
-        <p:spPr/>
+        <p:spPr>
+          <a:xfrm>
+            <a:off x="1682018" y="2276598"/>
+            <a:ext cx="10018713" cy="3752335"/>
+          </a:xfrm>
+        </p:spPr>
         <p:txBody>
           <a:bodyPr>
-            <a:normAutofit fontScale="92500" lnSpcReduction="20000"/>
+            <a:normAutofit/>
           </a:bodyPr>
           <a:lstStyle/>
           <a:p>
@@ -7195,7 +7365,7 @@
           <a:p>
             <a:r>
               <a:rPr lang="fr-FR" dirty="0"/>
-              <a:t>Catch</a:t>
+              <a:t>Catch </a:t>
             </a:r>
           </a:p>
           <a:p>
@@ -7219,7 +7389,7 @@
         </p:blipFill>
         <p:spPr>
           <a:xfrm>
-            <a:off x="2981739" y="2268046"/>
+            <a:off x="3204161" y="2049343"/>
             <a:ext cx="646043" cy="646043"/>
           </a:xfrm>
           <a:prstGeom prst="rect">
@@ -7243,7 +7413,7 @@
         </p:blipFill>
         <p:spPr>
           <a:xfrm>
-            <a:off x="3304760" y="3142689"/>
+            <a:off x="3583861" y="3048740"/>
             <a:ext cx="764485" cy="754210"/>
           </a:xfrm>
           <a:prstGeom prst="rect">
@@ -7267,12 +7437,53 @@
         </p:blipFill>
         <p:spPr>
           <a:xfrm>
-            <a:off x="4452730" y="3924920"/>
+            <a:off x="4872860" y="4152765"/>
             <a:ext cx="602974" cy="608358"/>
           </a:xfrm>
           <a:prstGeom prst="rect">
             <a:avLst/>
           </a:prstGeom>
+        </p:spPr>
+      </p:pic>
+      <p:pic>
+        <p:nvPicPr>
+          <p:cNvPr id="2054" name="Picture 6" descr="catch-logo-small.png"/>
+          <p:cNvPicPr>
+            <a:picLocks noChangeAspect="1" noChangeArrowheads="1"/>
+          </p:cNvPicPr>
+          <p:nvPr/>
+        </p:nvPicPr>
+        <p:blipFill>
+          <a:blip r:embed="rId5">
+            <a:extLst>
+              <a:ext uri="{28A0092B-C50C-407E-A947-70E740481C1C}">
+                <a14:useLocalDpi xmlns:a14="http://schemas.microsoft.com/office/drawing/2010/main" val="0"/>
+              </a:ext>
+            </a:extLst>
+          </a:blip>
+          <a:srcRect/>
+          <a:stretch>
+            <a:fillRect/>
+          </a:stretch>
+        </p:blipFill>
+        <p:spPr bwMode="auto">
+          <a:xfrm>
+            <a:off x="3067619" y="4998596"/>
+            <a:ext cx="1796968" cy="868535"/>
+          </a:xfrm>
+          <a:prstGeom prst="rect">
+            <a:avLst/>
+          </a:prstGeom>
+          <a:noFill/>
+          <a:extLst>
+            <a:ext uri="{909E8E84-426E-40DD-AFC4-6F175D3DCCD1}">
+              <a14:hiddenFill xmlns:a14="http://schemas.microsoft.com/office/drawing/2010/main">
+                <a:solidFill>
+                  <a:srgbClr val="FFFFFF"/>
+                </a:solidFill>
+              </a14:hiddenFill>
+            </a:ext>
+          </a:extLst>
         </p:spPr>
       </p:pic>
     </p:spTree>
@@ -7429,7 +7640,12 @@
             <p:ph type="title"/>
           </p:nvPr>
         </p:nvSpPr>
-        <p:spPr/>
+        <p:spPr>
+          <a:xfrm>
+            <a:off x="1208726" y="0"/>
+            <a:ext cx="10018713" cy="1752599"/>
+          </a:xfrm>
+        </p:spPr>
         <p:txBody>
           <a:bodyPr/>
           <a:lstStyle/>
@@ -7453,7 +7669,7 @@
         </p:nvSpPr>
         <p:spPr>
           <a:xfrm>
-            <a:off x="1749354" y="1669774"/>
+            <a:off x="2173287" y="1527735"/>
             <a:ext cx="10018713" cy="4704521"/>
           </a:xfrm>
         </p:spPr>
@@ -7593,20 +7809,49 @@
             <p:ph idx="1"/>
           </p:nvPr>
         </p:nvSpPr>
-        <p:spPr/>
+        <p:spPr>
+          <a:xfrm>
+            <a:off x="1484310" y="2438399"/>
+            <a:ext cx="10018713" cy="3124201"/>
+          </a:xfrm>
+        </p:spPr>
         <p:txBody>
           <a:bodyPr/>
           <a:lstStyle/>
           <a:p>
             <a:r>
               <a:rPr lang="fr-FR" dirty="0"/>
-              <a:t>Création d’un programme de gestion d’un emploi du temps du temps universitaire</a:t>
-            </a:r>
+              <a:t>Création d’un programme de gestion d’un emploi du temps universitaire</a:t>
+            </a:r>
+          </a:p>
+          <a:p>
+            <a:endParaRPr lang="fr-FR" dirty="0"/>
           </a:p>
           <a:p>
             <a:r>
               <a:rPr lang="fr-FR" dirty="0"/>
-              <a:t>Avec une attention particulière à la qualité du code</a:t>
+              <a:t>Avec une attention particulière à la qualité du code :</a:t>
+            </a:r>
+          </a:p>
+          <a:p>
+            <a:pPr lvl="1"/>
+            <a:r>
+              <a:rPr lang="fr-FR" dirty="0"/>
+              <a:t>Réalisation de tests</a:t>
+            </a:r>
+          </a:p>
+          <a:p>
+            <a:pPr lvl="1"/>
+            <a:r>
+              <a:rPr lang="fr-FR" dirty="0"/>
+              <a:t>Interface collaborative</a:t>
+            </a:r>
+          </a:p>
+          <a:p>
+            <a:pPr lvl="1"/>
+            <a:r>
+              <a:rPr lang="fr-FR" dirty="0"/>
+              <a:t>Structure réfléchie</a:t>
             </a:r>
           </a:p>
         </p:txBody>
@@ -7675,7 +7920,12 @@
             <p:ph type="title"/>
           </p:nvPr>
         </p:nvSpPr>
-        <p:spPr/>
+        <p:spPr>
+          <a:xfrm>
+            <a:off x="2040365" y="448964"/>
+            <a:ext cx="10018713" cy="1752599"/>
+          </a:xfrm>
+        </p:spPr>
         <p:txBody>
           <a:bodyPr/>
           <a:lstStyle/>
@@ -7690,31 +7940,12 @@
             </a:br>
             <a:r>
               <a:rPr lang="fr-FR" dirty="0"/>
+              <a:t>	</a:t>
+            </a:r>
+            <a:r>
+              <a:rPr lang="fr-FR" sz="3200" dirty="0"/>
               <a:t>Première idée</a:t>
             </a:r>
-          </a:p>
-        </p:txBody>
-      </p:sp>
-      <p:sp>
-        <p:nvSpPr>
-          <p:cNvPr id="3" name="Espace réservé du contenu 2"/>
-          <p:cNvSpPr>
-            <a:spLocks noGrp="1"/>
-          </p:cNvSpPr>
-          <p:nvPr>
-            <p:ph idx="1"/>
-          </p:nvPr>
-        </p:nvSpPr>
-        <p:spPr>
-          <a:xfrm>
-            <a:off x="1187748" y="3733799"/>
-            <a:ext cx="10018713" cy="3124201"/>
-          </a:xfrm>
-        </p:spPr>
-        <p:txBody>
-          <a:bodyPr/>
-          <a:lstStyle/>
-          <a:p>
             <a:endParaRPr lang="fr-FR" dirty="0"/>
           </a:p>
         </p:txBody>
@@ -7766,13 +7997,42 @@
         </p:blipFill>
         <p:spPr bwMode="auto">
           <a:xfrm>
-            <a:off x="1255921" y="2421925"/>
-            <a:ext cx="10005087" cy="4332282"/>
+            <a:off x="1127466" y="2201563"/>
+            <a:ext cx="10375557" cy="4492698"/>
           </a:xfrm>
           <a:prstGeom prst="rect">
             <a:avLst/>
           </a:prstGeom>
-          <a:noFill/>
+          <a:solidFill>
+            <a:srgbClr val="FFFFFF">
+              <a:shade val="85000"/>
+            </a:srgbClr>
+          </a:solidFill>
+          <a:ln w="88900" cap="sq">
+            <a:solidFill>
+              <a:srgbClr val="FFFFFF"/>
+            </a:solidFill>
+            <a:miter lim="800000"/>
+          </a:ln>
+          <a:effectLst>
+            <a:outerShdw blurRad="63500" sx="102000" sy="102000" algn="ctr" rotWithShape="0">
+              <a:prstClr val="black">
+                <a:alpha val="40000"/>
+              </a:prstClr>
+            </a:outerShdw>
+          </a:effectLst>
+          <a:scene3d>
+            <a:camera prst="orthographicFront"/>
+            <a:lightRig rig="twoPt" dir="t">
+              <a:rot lat="0" lon="0" rev="7200000"/>
+            </a:lightRig>
+          </a:scene3d>
+          <a:sp3d>
+            <a:bevelT w="25400" h="19050"/>
+            <a:contourClr>
+              <a:srgbClr val="FFFFFF"/>
+            </a:contourClr>
+          </a:sp3d>
           <a:extLst>
             <a:ext uri="{909E8E84-426E-40DD-AFC4-6F175D3DCCD1}">
               <a14:hiddenFill xmlns:a14="http://schemas.microsoft.com/office/drawing/2010/main">
@@ -7824,7 +8084,12 @@
             <p:ph type="title"/>
           </p:nvPr>
         </p:nvSpPr>
-        <p:spPr/>
+        <p:spPr>
+          <a:xfrm>
+            <a:off x="1987935" y="190634"/>
+            <a:ext cx="10018713" cy="1752599"/>
+          </a:xfrm>
+        </p:spPr>
         <p:txBody>
           <a:bodyPr/>
           <a:lstStyle/>
@@ -7838,6 +8103,10 @@
               <a:rPr lang="fr-FR" dirty="0"/>
             </a:br>
             <a:r>
+              <a:rPr lang="fr-FR" dirty="0"/>
+              <a:t>	</a:t>
+            </a:r>
+            <a:r>
               <a:rPr lang="fr-FR" sz="3200" dirty="0"/>
               <a:t>Structure finale</a:t>
             </a:r>
@@ -7855,32 +8124,53 @@
             <p:ph idx="1"/>
           </p:nvPr>
         </p:nvSpPr>
-        <p:spPr/>
-        <p:txBody>
-          <a:bodyPr/>
+        <p:spPr>
+          <a:xfrm>
+            <a:off x="1484310" y="2666999"/>
+            <a:ext cx="10018713" cy="4104504"/>
+          </a:xfrm>
+        </p:spPr>
+        <p:txBody>
+          <a:bodyPr>
+            <a:normAutofit/>
+          </a:bodyPr>
           <a:lstStyle/>
           <a:p>
             <a:r>
               <a:rPr lang="fr-FR" dirty="0"/>
-              <a:t>Une classe emploi du temps ..</a:t>
-            </a:r>
-          </a:p>
-          <a:p>
-            <a:r>
-              <a:rPr lang="fr-FR" dirty="0"/>
-              <a:t>.. Qui contient un tableau de filière ..</a:t>
-            </a:r>
-          </a:p>
-          <a:p>
-            <a:r>
-              <a:rPr lang="fr-FR" dirty="0"/>
-              <a:t>.. Qui contienne chacune une année..</a:t>
-            </a:r>
-          </a:p>
-          <a:p>
-            <a:r>
-              <a:rPr lang="fr-FR" dirty="0"/>
-              <a:t>.. Ou par le biais des semaines et jours contiennent les cours</a:t>
+              <a:t>Une classe emploi du temps :</a:t>
+            </a:r>
+          </a:p>
+          <a:p>
+            <a:endParaRPr lang="fr-FR" dirty="0"/>
+          </a:p>
+          <a:p>
+            <a:pPr lvl="1"/>
+            <a:r>
+              <a:rPr lang="fr-FR" sz="2400" dirty="0"/>
+              <a:t>Qui contient un tableau de filière ..</a:t>
+            </a:r>
+          </a:p>
+          <a:p>
+            <a:pPr lvl="1"/>
+            <a:endParaRPr lang="fr-FR" sz="2400" dirty="0"/>
+          </a:p>
+          <a:p>
+            <a:pPr lvl="2"/>
+            <a:r>
+              <a:rPr lang="fr-FR" sz="2400" dirty="0"/>
+              <a:t>Qui contient chacune une année ..</a:t>
+            </a:r>
+          </a:p>
+          <a:p>
+            <a:pPr lvl="2"/>
+            <a:endParaRPr lang="fr-FR" sz="2400" dirty="0"/>
+          </a:p>
+          <a:p>
+            <a:pPr lvl="3"/>
+            <a:r>
+              <a:rPr lang="fr-FR" sz="2400" dirty="0"/>
+              <a:t>Qui par le biais des semaines et jours contiennent les cours</a:t>
             </a:r>
           </a:p>
           <a:p>
@@ -7952,7 +8242,12 @@
             <p:ph type="title"/>
           </p:nvPr>
         </p:nvSpPr>
-        <p:spPr/>
+        <p:spPr>
+          <a:xfrm>
+            <a:off x="1867370" y="315097"/>
+            <a:ext cx="10018713" cy="1752599"/>
+          </a:xfrm>
+        </p:spPr>
         <p:txBody>
           <a:bodyPr/>
           <a:lstStyle/>
@@ -7966,6 +8261,10 @@
               <a:rPr lang="fr-FR" dirty="0"/>
             </a:br>
             <a:r>
+              <a:rPr lang="fr-FR" dirty="0"/>
+              <a:t>	</a:t>
+            </a:r>
+            <a:r>
               <a:rPr lang="fr-FR" sz="3200" dirty="0"/>
               <a:t>Emploi du temps</a:t>
             </a:r>
@@ -7983,21 +8282,58 @@
             <p:ph idx="1"/>
           </p:nvPr>
         </p:nvSpPr>
-        <p:spPr/>
-        <p:txBody>
-          <a:bodyPr/>
+        <p:spPr>
+          <a:xfrm>
+            <a:off x="1674383" y="2271839"/>
+            <a:ext cx="10018713" cy="3914519"/>
+          </a:xfrm>
+        </p:spPr>
+        <p:txBody>
+          <a:bodyPr>
+            <a:normAutofit/>
+          </a:bodyPr>
           <a:lstStyle/>
           <a:p>
             <a:r>
               <a:rPr lang="fr-FR" dirty="0"/>
-              <a:t>Les méthodes qui permettent la gestion de l’emploi du temps</a:t>
-            </a:r>
-          </a:p>
-          <a:p>
+              <a:t>Les méthodes qui permettent </a:t>
+            </a:r>
+          </a:p>
+          <a:p>
+            <a:pPr marL="0" indent="0">
+              <a:buNone/>
+            </a:pPr>
             <a:r>
               <a:rPr lang="fr-FR" dirty="0"/>
-              <a:t>La liste des salles, des filières, des professeurs</a:t>
-            </a:r>
+              <a:t>la gestion de l’emploi du temps</a:t>
+            </a:r>
+          </a:p>
+          <a:p>
+            <a:pPr marL="0" indent="0">
+              <a:buNone/>
+            </a:pPr>
+            <a:endParaRPr lang="fr-FR" dirty="0"/>
+          </a:p>
+          <a:p>
+            <a:r>
+              <a:rPr lang="fr-FR" dirty="0"/>
+              <a:t>La liste des salles, des filières, </a:t>
+            </a:r>
+          </a:p>
+          <a:p>
+            <a:pPr marL="0" indent="0">
+              <a:buNone/>
+            </a:pPr>
+            <a:r>
+              <a:rPr lang="fr-FR" dirty="0"/>
+              <a:t>des professeurs</a:t>
+            </a:r>
+          </a:p>
+          <a:p>
+            <a:pPr marL="0" indent="0">
+              <a:buNone/>
+            </a:pPr>
+            <a:endParaRPr lang="fr-FR" dirty="0"/>
           </a:p>
           <a:p>
             <a:r>
@@ -8031,6 +8367,37 @@
           </a:p>
         </p:txBody>
       </p:sp>
+      <p:pic>
+        <p:nvPicPr>
+          <p:cNvPr id="6" name="Image 5"/>
+          <p:cNvPicPr>
+            <a:picLocks noChangeAspect="1"/>
+          </p:cNvPicPr>
+          <p:nvPr/>
+        </p:nvPicPr>
+        <p:blipFill>
+          <a:blip r:embed="rId2"/>
+          <a:stretch>
+            <a:fillRect/>
+          </a:stretch>
+        </p:blipFill>
+        <p:spPr>
+          <a:xfrm>
+            <a:off x="6359009" y="632892"/>
+            <a:ext cx="5527074" cy="5949141"/>
+          </a:xfrm>
+          <a:prstGeom prst="rect">
+            <a:avLst/>
+          </a:prstGeom>
+          <a:effectLst>
+            <a:outerShdw blurRad="63500" sx="102000" sy="102000" algn="ctr" rotWithShape="0">
+              <a:prstClr val="black">
+                <a:alpha val="40000"/>
+              </a:prstClr>
+            </a:outerShdw>
+          </a:effectLst>
+        </p:spPr>
+      </p:pic>
     </p:spTree>
     <p:extLst>
       <p:ext uri="{BB962C8B-B14F-4D97-AF65-F5344CB8AC3E}">
@@ -8071,7 +8438,12 @@
             <p:ph type="title"/>
           </p:nvPr>
         </p:nvSpPr>
-        <p:spPr/>
+        <p:spPr>
+          <a:xfrm>
+            <a:off x="2015651" y="182397"/>
+            <a:ext cx="10018713" cy="1752599"/>
+          </a:xfrm>
+        </p:spPr>
         <p:txBody>
           <a:bodyPr/>
           <a:lstStyle/>
@@ -8085,6 +8457,10 @@
               <a:rPr lang="fr-FR" dirty="0"/>
             </a:br>
             <a:r>
+              <a:rPr lang="fr-FR" dirty="0"/>
+              <a:t>	</a:t>
+            </a:r>
+            <a:r>
               <a:rPr lang="fr-FR" sz="3200" dirty="0"/>
               <a:t>Individu, étudiant et professeur</a:t>
             </a:r>
@@ -8101,32 +8477,74 @@
             <p:ph idx="1"/>
           </p:nvPr>
         </p:nvSpPr>
-        <p:spPr/>
-        <p:txBody>
-          <a:bodyPr/>
+        <p:spPr>
+          <a:xfrm>
+            <a:off x="1208726" y="1774058"/>
+            <a:ext cx="10018713" cy="4744995"/>
+          </a:xfrm>
+        </p:spPr>
+        <p:txBody>
+          <a:bodyPr>
+            <a:normAutofit/>
+          </a:bodyPr>
           <a:lstStyle/>
           <a:p>
             <a:r>
               <a:rPr lang="fr-FR" dirty="0"/>
-              <a:t>Une classe virtuelle individu contenant les méthodes et champs communs</a:t>
-            </a:r>
-          </a:p>
-          <a:p>
+              <a:t>Une classe virtuelle individu contenant</a:t>
+            </a:r>
+          </a:p>
+          <a:p>
+            <a:pPr marL="0" indent="0">
+              <a:buNone/>
+            </a:pPr>
             <a:r>
               <a:rPr lang="fr-FR" dirty="0"/>
-              <a:t>Deux classes héritées</a:t>
-            </a:r>
+              <a:t> les méthodes et champs communs</a:t>
+            </a:r>
+          </a:p>
+          <a:p>
+            <a:pPr marL="0" indent="0">
+              <a:buNone/>
+            </a:pPr>
+            <a:endParaRPr lang="fr-FR" dirty="0"/>
           </a:p>
           <a:p>
             <a:r>
               <a:rPr lang="fr-FR" dirty="0"/>
-              <a:t>Professeur qui contient également la matière enseignée</a:t>
-            </a:r>
-          </a:p>
-          <a:p>
+              <a:t>Deux classes héritées :</a:t>
+            </a:r>
+          </a:p>
+          <a:p>
+            <a:pPr lvl="1"/>
+            <a:r>
+              <a:rPr lang="fr-FR" sz="2400" dirty="0"/>
+              <a:t>Professeur qui contient également </a:t>
+            </a:r>
+          </a:p>
+          <a:p>
+            <a:pPr marL="0" indent="0">
+              <a:buNone/>
+            </a:pPr>
             <a:r>
               <a:rPr lang="fr-FR" dirty="0"/>
-              <a:t>Etudiant qui contient également un numéro étudiant</a:t>
+              <a:t>	la matière enseignée</a:t>
+            </a:r>
+          </a:p>
+          <a:p>
+            <a:pPr lvl="1"/>
+            <a:r>
+              <a:rPr lang="fr-FR" sz="2400" dirty="0"/>
+              <a:t>Etudiant qui contient également</a:t>
+            </a:r>
+          </a:p>
+          <a:p>
+            <a:pPr marL="0" indent="0">
+              <a:buNone/>
+            </a:pPr>
+            <a:r>
+              <a:rPr lang="fr-FR" dirty="0"/>
+              <a:t>	un numéro étudiant</a:t>
             </a:r>
           </a:p>
         </p:txBody>
@@ -8155,6 +8573,37 @@
           </a:p>
         </p:txBody>
       </p:sp>
+      <p:pic>
+        <p:nvPicPr>
+          <p:cNvPr id="5" name="Image 4"/>
+          <p:cNvPicPr>
+            <a:picLocks noChangeAspect="1"/>
+          </p:cNvPicPr>
+          <p:nvPr/>
+        </p:nvPicPr>
+        <p:blipFill>
+          <a:blip r:embed="rId2"/>
+          <a:stretch>
+            <a:fillRect/>
+          </a:stretch>
+        </p:blipFill>
+        <p:spPr>
+          <a:xfrm>
+            <a:off x="6703069" y="2842918"/>
+            <a:ext cx="5331295" cy="2607276"/>
+          </a:xfrm>
+          <a:prstGeom prst="rect">
+            <a:avLst/>
+          </a:prstGeom>
+          <a:effectLst>
+            <a:outerShdw blurRad="63500" sx="102000" sy="102000" algn="ctr" rotWithShape="0">
+              <a:prstClr val="black">
+                <a:alpha val="40000"/>
+              </a:prstClr>
+            </a:outerShdw>
+          </a:effectLst>
+        </p:spPr>
+      </p:pic>
     </p:spTree>
     <p:extLst>
       <p:ext uri="{BB962C8B-B14F-4D97-AF65-F5344CB8AC3E}">
@@ -8195,7 +8644,12 @@
             <p:ph type="title"/>
           </p:nvPr>
         </p:nvSpPr>
-        <p:spPr/>
+        <p:spPr>
+          <a:xfrm>
+            <a:off x="2028008" y="488091"/>
+            <a:ext cx="10018713" cy="1752599"/>
+          </a:xfrm>
+        </p:spPr>
         <p:txBody>
           <a:bodyPr>
             <a:normAutofit fontScale="90000"/>
@@ -8204,14 +8658,14 @@
           <a:p>
             <a:pPr algn="l"/>
             <a:r>
-              <a:rPr lang="fr-FR" dirty="0"/>
+              <a:rPr lang="fr-FR" sz="4400" dirty="0"/>
               <a:t>Les classes</a:t>
             </a:r>
             <a:br>
               <a:rPr lang="fr-FR" dirty="0"/>
             </a:br>
             <a:r>
-              <a:rPr lang="fr-FR" sz="3200" dirty="0"/>
+              <a:rPr lang="fr-FR" sz="3600" dirty="0"/>
               <a:t>Année, semaine, journée</a:t>
             </a:r>
             <a:br>
@@ -8231,9 +8685,16 @@
             <p:ph idx="1"/>
           </p:nvPr>
         </p:nvSpPr>
-        <p:spPr/>
-        <p:txBody>
-          <a:bodyPr/>
+        <p:spPr>
+          <a:xfrm>
+            <a:off x="1208726" y="1963725"/>
+            <a:ext cx="10018713" cy="4085968"/>
+          </a:xfrm>
+        </p:spPr>
+        <p:txBody>
+          <a:bodyPr>
+            <a:normAutofit/>
+          </a:bodyPr>
           <a:lstStyle/>
           <a:p>
             <a:r>
@@ -8242,20 +8703,30 @@
             </a:r>
           </a:p>
           <a:p>
+            <a:endParaRPr lang="fr-FR" dirty="0"/>
+          </a:p>
+          <a:p>
             <a:r>
               <a:rPr lang="fr-FR" dirty="0"/>
               <a:t>Semaine contient un tableau de journées</a:t>
             </a:r>
           </a:p>
           <a:p>
+            <a:endParaRPr lang="fr-FR" dirty="0"/>
+          </a:p>
+          <a:p>
             <a:r>
               <a:rPr lang="fr-FR" dirty="0"/>
               <a:t>Journée contient un tableau de cours</a:t>
             </a:r>
           </a:p>
           <a:p>
-            <a:r>
-              <a:rPr lang="fr-FR" dirty="0"/>
+            <a:endParaRPr lang="fr-FR" dirty="0"/>
+          </a:p>
+          <a:p>
+            <a:pPr lvl="1"/>
+            <a:r>
+              <a:rPr lang="fr-FR" sz="2400" dirty="0"/>
               <a:t>Toutes disposent de getters et setters</a:t>
             </a:r>
           </a:p>
@@ -8285,6 +8756,30 @@
           </a:p>
         </p:txBody>
       </p:sp>
+      <p:pic>
+        <p:nvPicPr>
+          <p:cNvPr id="7" name="Image 6"/>
+          <p:cNvPicPr>
+            <a:picLocks noChangeAspect="1"/>
+          </p:cNvPicPr>
+          <p:nvPr/>
+        </p:nvPicPr>
+        <p:blipFill>
+          <a:blip r:embed="rId2"/>
+          <a:stretch>
+            <a:fillRect/>
+          </a:stretch>
+        </p:blipFill>
+        <p:spPr>
+          <a:xfrm>
+            <a:off x="7037364" y="2366318"/>
+            <a:ext cx="4905375" cy="3086100"/>
+          </a:xfrm>
+          <a:prstGeom prst="rect">
+            <a:avLst/>
+          </a:prstGeom>
+        </p:spPr>
+      </p:pic>
     </p:spTree>
     <p:extLst>
       <p:ext uri="{BB962C8B-B14F-4D97-AF65-F5344CB8AC3E}">
@@ -8325,7 +8820,12 @@
             <p:ph type="title"/>
           </p:nvPr>
         </p:nvSpPr>
-        <p:spPr/>
+        <p:spPr>
+          <a:xfrm>
+            <a:off x="1966224" y="451022"/>
+            <a:ext cx="10018713" cy="1752599"/>
+          </a:xfrm>
+        </p:spPr>
         <p:txBody>
           <a:bodyPr>
             <a:normAutofit fontScale="90000"/>
@@ -8334,14 +8834,18 @@
           <a:p>
             <a:pPr algn="l"/>
             <a:r>
-              <a:rPr lang="fr-FR" dirty="0"/>
+              <a:rPr lang="fr-FR" sz="4400" dirty="0"/>
               <a:t>Les classes</a:t>
             </a:r>
             <a:br>
               <a:rPr lang="fr-FR" dirty="0"/>
             </a:br>
             <a:r>
-              <a:rPr lang="fr-FR" sz="3200" dirty="0"/>
+              <a:rPr lang="fr-FR" dirty="0"/>
+              <a:t>	</a:t>
+            </a:r>
+            <a:r>
+              <a:rPr lang="fr-FR" sz="3600" dirty="0"/>
               <a:t>Cours</a:t>
             </a:r>
             <a:br>
@@ -8361,9 +8865,16 @@
             <p:ph idx="1"/>
           </p:nvPr>
         </p:nvSpPr>
-        <p:spPr/>
-        <p:txBody>
-          <a:bodyPr/>
+        <p:spPr>
+          <a:xfrm>
+            <a:off x="1731447" y="1857964"/>
+            <a:ext cx="10018713" cy="4851755"/>
+          </a:xfrm>
+        </p:spPr>
+        <p:txBody>
+          <a:bodyPr>
+            <a:normAutofit lnSpcReduction="10000"/>
+          </a:bodyPr>
           <a:lstStyle/>
           <a:p>
             <a:r>
@@ -8372,26 +8883,51 @@
             </a:r>
           </a:p>
           <a:p>
+            <a:endParaRPr lang="fr-FR" dirty="0"/>
+          </a:p>
+          <a:p>
             <a:r>
               <a:rPr lang="fr-FR" dirty="0"/>
               <a:t>Un pointeur sur la salle</a:t>
             </a:r>
           </a:p>
           <a:p>
+            <a:endParaRPr lang="fr-FR" dirty="0"/>
+          </a:p>
+          <a:p>
             <a:r>
               <a:rPr lang="fr-FR" dirty="0"/>
               <a:t>L’horaire de début</a:t>
             </a:r>
           </a:p>
           <a:p>
+            <a:endParaRPr lang="fr-FR" dirty="0"/>
+          </a:p>
+          <a:p>
             <a:r>
               <a:rPr lang="fr-FR" dirty="0"/>
-              <a:t>Et éventuellement la durée ( 2 heurs par défaut)</a:t>
-            </a:r>
-          </a:p>
-          <a:p>
+              <a:t>Et éventuellement la durée</a:t>
+            </a:r>
+          </a:p>
+          <a:p>
+            <a:pPr marL="0" indent="0">
+              <a:buNone/>
+            </a:pPr>
             <a:r>
               <a:rPr lang="fr-FR" dirty="0"/>
+              <a:t> (2 heures par défaut)</a:t>
+            </a:r>
+          </a:p>
+          <a:p>
+            <a:pPr marL="0" indent="0">
+              <a:buNone/>
+            </a:pPr>
+            <a:endParaRPr lang="fr-FR" dirty="0"/>
+          </a:p>
+          <a:p>
+            <a:pPr lvl="1"/>
+            <a:r>
+              <a:rPr lang="fr-FR" sz="2400" dirty="0"/>
               <a:t>Getters et setters</a:t>
             </a:r>
           </a:p>
@@ -8421,6 +8957,30 @@
           </a:p>
         </p:txBody>
       </p:sp>
+      <p:pic>
+        <p:nvPicPr>
+          <p:cNvPr id="5" name="Image 4"/>
+          <p:cNvPicPr>
+            <a:picLocks noChangeAspect="1"/>
+          </p:cNvPicPr>
+          <p:nvPr/>
+        </p:nvPicPr>
+        <p:blipFill>
+          <a:blip r:embed="rId2"/>
+          <a:stretch>
+            <a:fillRect/>
+          </a:stretch>
+        </p:blipFill>
+        <p:spPr>
+          <a:xfrm>
+            <a:off x="5951338" y="2279892"/>
+            <a:ext cx="6033599" cy="3332727"/>
+          </a:xfrm>
+          <a:prstGeom prst="rect">
+            <a:avLst/>
+          </a:prstGeom>
+        </p:spPr>
+      </p:pic>
     </p:spTree>
     <p:extLst>
       <p:ext uri="{BB962C8B-B14F-4D97-AF65-F5344CB8AC3E}">

--- a/Divers/PrésentationQDP.pptx
+++ b/Divers/PrésentationQDP.pptx
@@ -5,7 +5,7 @@
     <p:sldMasterId id="2147483648" r:id="rId1"/>
   </p:sldMasterIdLst>
   <p:notesMasterIdLst>
-    <p:notesMasterId r:id="rId17"/>
+    <p:notesMasterId r:id="rId18"/>
   </p:notesMasterIdLst>
   <p:sldIdLst>
     <p:sldId id="256" r:id="rId2"/>
@@ -21,8 +21,9 @@
     <p:sldId id="271" r:id="rId12"/>
     <p:sldId id="261" r:id="rId13"/>
     <p:sldId id="269" r:id="rId14"/>
-    <p:sldId id="263" r:id="rId15"/>
-    <p:sldId id="264" r:id="rId16"/>
+    <p:sldId id="272" r:id="rId15"/>
+    <p:sldId id="263" r:id="rId16"/>
+    <p:sldId id="264" r:id="rId17"/>
   </p:sldIdLst>
   <p:sldSz cx="12192000" cy="6858000"/>
   <p:notesSz cx="6858000" cy="9144000"/>
@@ -978,7 +979,7 @@
           <a:bodyPr/>
           <a:lstStyle/>
           <a:p>
-            <a:fld id="{E6E338C3-474F-40B7-868E-6812ADA369C4}" type="datetime1">
+            <a:fld id="{6CA3CCEC-6B0E-40A2-ACA9-8B50E57F137C}" type="datetime1">
               <a:rPr lang="en-US" smtClean="0"/>
               <a:t>1/11/2017</a:t>
             </a:fld>
@@ -1006,6 +1007,10 @@
           <a:bodyPr/>
           <a:lstStyle/>
           <a:p>
+            <a:r>
+              <a:rPr lang="en-US"/>
+              <a:t>7</a:t>
+            </a:r>
             <a:endParaRPr lang="en-US" dirty="0"/>
           </a:p>
         </p:txBody>
@@ -1270,7 +1275,7 @@
           <a:bodyPr/>
           <a:lstStyle/>
           <a:p>
-            <a:fld id="{D3B37CA0-421E-48D0-8410-0FEEA8EE5A95}" type="datetime1">
+            <a:fld id="{2F4E125E-1283-4D24-8F7B-FE10520D000F}" type="datetime1">
               <a:rPr lang="en-US" smtClean="0"/>
               <a:t>1/11/2017</a:t>
             </a:fld>
@@ -1293,6 +1298,10 @@
           <a:bodyPr/>
           <a:lstStyle/>
           <a:p>
+            <a:r>
+              <a:rPr lang="en-US"/>
+              <a:t>7</a:t>
+            </a:r>
             <a:endParaRPr lang="en-US" dirty="0"/>
           </a:p>
         </p:txBody>
@@ -1514,7 +1523,7 @@
           <a:bodyPr/>
           <a:lstStyle/>
           <a:p>
-            <a:fld id="{68A7F0DA-E665-49B1-A252-2E320B910802}" type="datetime1">
+            <a:fld id="{37F0C5E4-CA3D-4EC2-BCC2-C69193A72D22}" type="datetime1">
               <a:rPr lang="en-US" smtClean="0"/>
               <a:t>1/11/2017</a:t>
             </a:fld>
@@ -1537,6 +1546,10 @@
           <a:bodyPr/>
           <a:lstStyle/>
           <a:p>
+            <a:r>
+              <a:rPr lang="en-US"/>
+              <a:t>7</a:t>
+            </a:r>
             <a:endParaRPr lang="en-US" dirty="0"/>
           </a:p>
         </p:txBody>
@@ -2050,7 +2063,7 @@
           <a:bodyPr/>
           <a:lstStyle/>
           <a:p>
-            <a:fld id="{8C3E3C11-4680-46A0-8C0E-810BAB45C2F0}" type="datetime1">
+            <a:fld id="{ED05279D-8F6A-440A-970C-8101AAD128B6}" type="datetime1">
               <a:rPr lang="en-US" smtClean="0"/>
               <a:t>1/11/2017</a:t>
             </a:fld>
@@ -2073,6 +2086,10 @@
           <a:bodyPr/>
           <a:lstStyle/>
           <a:p>
+            <a:r>
+              <a:rPr lang="en-US"/>
+              <a:t>7</a:t>
+            </a:r>
             <a:endParaRPr lang="en-US" dirty="0"/>
           </a:p>
         </p:txBody>
@@ -2294,7 +2311,7 @@
           <a:bodyPr/>
           <a:lstStyle/>
           <a:p>
-            <a:fld id="{4710FA6B-D6FA-4AA9-9BC1-43A125C3EC51}" type="datetime1">
+            <a:fld id="{6E91D7B3-5F1C-4841-A23A-697D77DA9D93}" type="datetime1">
               <a:rPr lang="en-US" smtClean="0"/>
               <a:t>1/11/2017</a:t>
             </a:fld>
@@ -2317,6 +2334,10 @@
           <a:bodyPr/>
           <a:lstStyle/>
           <a:p>
+            <a:r>
+              <a:rPr lang="en-US"/>
+              <a:t>7</a:t>
+            </a:r>
             <a:endParaRPr lang="en-US" dirty="0"/>
           </a:p>
         </p:txBody>
@@ -2822,7 +2843,7 @@
           <a:bodyPr/>
           <a:lstStyle/>
           <a:p>
-            <a:fld id="{D24A31B8-C474-43C3-A592-8AC47F6246AE}" type="datetime1">
+            <a:fld id="{6E1CF455-DDB2-441B-ACA6-70EE801B748A}" type="datetime1">
               <a:rPr lang="en-US" smtClean="0"/>
               <a:t>1/11/2017</a:t>
             </a:fld>
@@ -2845,6 +2866,10 @@
           <a:bodyPr/>
           <a:lstStyle/>
           <a:p>
+            <a:r>
+              <a:rPr lang="en-US"/>
+              <a:t>7</a:t>
+            </a:r>
             <a:endParaRPr lang="en-US" dirty="0"/>
           </a:p>
         </p:txBody>
@@ -3115,7 +3140,7 @@
           <a:bodyPr/>
           <a:lstStyle/>
           <a:p>
-            <a:fld id="{B782AAD8-11D6-441E-BDF7-36AC3A8ACD24}" type="datetime1">
+            <a:fld id="{921DFD38-E904-4AFE-8663-33008F32F8EB}" type="datetime1">
               <a:rPr lang="en-US" smtClean="0"/>
               <a:t>1/11/2017</a:t>
             </a:fld>
@@ -3138,6 +3163,10 @@
           <a:bodyPr/>
           <a:lstStyle/>
           <a:p>
+            <a:r>
+              <a:rPr lang="en-US"/>
+              <a:t>7</a:t>
+            </a:r>
             <a:endParaRPr lang="en-US" dirty="0"/>
           </a:p>
         </p:txBody>
@@ -3285,7 +3314,7 @@
           <a:bodyPr/>
           <a:lstStyle/>
           <a:p>
-            <a:fld id="{152BF4D8-047F-4F0A-9BD8-D62CFF168D3D}" type="datetime1">
+            <a:fld id="{D48B50AB-67EC-41DF-ABBB-97C2FB619ECB}" type="datetime1">
               <a:rPr lang="en-US" smtClean="0"/>
               <a:t>1/11/2017</a:t>
             </a:fld>
@@ -3308,6 +3337,10 @@
           <a:bodyPr/>
           <a:lstStyle/>
           <a:p>
+            <a:r>
+              <a:rPr lang="en-US"/>
+              <a:t>7</a:t>
+            </a:r>
             <a:endParaRPr lang="en-US" dirty="0"/>
           </a:p>
         </p:txBody>
@@ -3461,7 +3494,7 @@
           <a:bodyPr/>
           <a:lstStyle/>
           <a:p>
-            <a:fld id="{A2953840-5188-4A0C-AC18-9235F9C11B21}" type="datetime1">
+            <a:fld id="{15A30C98-C540-4599-8FA3-F95E42F92B23}" type="datetime1">
               <a:rPr lang="en-US" smtClean="0"/>
               <a:t>1/11/2017</a:t>
             </a:fld>
@@ -3484,6 +3517,10 @@
           <a:bodyPr/>
           <a:lstStyle/>
           <a:p>
+            <a:r>
+              <a:rPr lang="en-US"/>
+              <a:t>7</a:t>
+            </a:r>
             <a:endParaRPr lang="en-US" dirty="0"/>
           </a:p>
         </p:txBody>
@@ -3627,7 +3664,7 @@
           <a:bodyPr/>
           <a:lstStyle/>
           <a:p>
-            <a:fld id="{C05F53DC-11B9-4FA8-863A-60CD35CBD956}" type="datetime1">
+            <a:fld id="{CB3ED641-60A7-408F-B719-268FA6E9CFE6}" type="datetime1">
               <a:rPr lang="en-US" smtClean="0"/>
               <a:t>1/11/2017</a:t>
             </a:fld>
@@ -3650,6 +3687,10 @@
           <a:bodyPr/>
           <a:lstStyle/>
           <a:p>
+            <a:r>
+              <a:rPr lang="en-US"/>
+              <a:t>7</a:t>
+            </a:r>
             <a:endParaRPr lang="en-US" dirty="0"/>
           </a:p>
         </p:txBody>
@@ -3874,7 +3915,7 @@
           <a:bodyPr/>
           <a:lstStyle/>
           <a:p>
-            <a:fld id="{5AAE3984-F19B-4D2F-8641-88792FC49B45}" type="datetime1">
+            <a:fld id="{18E9EBAC-D480-4EE8-AE71-70B02261EB50}" type="datetime1">
               <a:rPr lang="en-US" smtClean="0"/>
               <a:t>1/11/2017</a:t>
             </a:fld>
@@ -3897,6 +3938,10 @@
           <a:bodyPr/>
           <a:lstStyle/>
           <a:p>
+            <a:r>
+              <a:rPr lang="en-US"/>
+              <a:t>7</a:t>
+            </a:r>
             <a:endParaRPr lang="en-US" dirty="0"/>
           </a:p>
         </p:txBody>
@@ -4167,7 +4212,7 @@
           <a:bodyPr/>
           <a:lstStyle/>
           <a:p>
-            <a:fld id="{A49C7CB6-71FF-4820-BF90-49118A05EC17}" type="datetime1">
+            <a:fld id="{B0725C10-E574-434B-BAAE-1DA3900A87BA}" type="datetime1">
               <a:rPr lang="en-US" smtClean="0"/>
               <a:t>1/11/2017</a:t>
             </a:fld>
@@ -4190,6 +4235,10 @@
           <a:bodyPr/>
           <a:lstStyle/>
           <a:p>
+            <a:r>
+              <a:rPr lang="en-US"/>
+              <a:t>7</a:t>
+            </a:r>
             <a:endParaRPr lang="en-US" dirty="0"/>
           </a:p>
         </p:txBody>
@@ -4605,7 +4654,7 @@
           <a:bodyPr/>
           <a:lstStyle/>
           <a:p>
-            <a:fld id="{C53B376B-5F32-409E-B171-CE393603270D}" type="datetime1">
+            <a:fld id="{82EAED23-0DF1-45B6-AD3B-D336B732295E}" type="datetime1">
               <a:rPr lang="en-US" smtClean="0"/>
               <a:t>1/11/2017</a:t>
             </a:fld>
@@ -4628,6 +4677,10 @@
           <a:bodyPr/>
           <a:lstStyle/>
           <a:p>
+            <a:r>
+              <a:rPr lang="en-US"/>
+              <a:t>7</a:t>
+            </a:r>
             <a:endParaRPr lang="en-US" dirty="0"/>
           </a:p>
         </p:txBody>
@@ -4719,7 +4772,7 @@
           <a:bodyPr/>
           <a:lstStyle/>
           <a:p>
-            <a:fld id="{7FBEBF65-888D-45E8-8985-7F9511C2EA55}" type="datetime1">
+            <a:fld id="{370ED2D2-F8DD-4E9C-9EE8-51871E200535}" type="datetime1">
               <a:rPr lang="en-US" smtClean="0"/>
               <a:t>1/11/2017</a:t>
             </a:fld>
@@ -4742,6 +4795,10 @@
           <a:bodyPr/>
           <a:lstStyle/>
           <a:p>
+            <a:r>
+              <a:rPr lang="en-US"/>
+              <a:t>7</a:t>
+            </a:r>
             <a:endParaRPr lang="en-US" dirty="0"/>
           </a:p>
         </p:txBody>
@@ -4810,7 +4867,7 @@
           <a:bodyPr/>
           <a:lstStyle/>
           <a:p>
-            <a:fld id="{A9656507-F44C-4E75-A716-B97688AA33B2}" type="datetime1">
+            <a:fld id="{D2F7E979-E986-4F28-A53F-CEF4948C8347}" type="datetime1">
               <a:rPr lang="en-US" smtClean="0"/>
               <a:t>1/11/2017</a:t>
             </a:fld>
@@ -4833,6 +4890,10 @@
           <a:bodyPr/>
           <a:lstStyle/>
           <a:p>
+            <a:r>
+              <a:rPr lang="en-US"/>
+              <a:t>7</a:t>
+            </a:r>
             <a:endParaRPr lang="en-US" dirty="0"/>
           </a:p>
         </p:txBody>
@@ -5089,7 +5150,7 @@
           <a:bodyPr/>
           <a:lstStyle/>
           <a:p>
-            <a:fld id="{ADFE781A-ED1C-476F-A465-107846BF4472}" type="datetime1">
+            <a:fld id="{0B42EBBA-7D03-4C63-A5E0-82137A9C542A}" type="datetime1">
               <a:rPr lang="en-US" smtClean="0"/>
               <a:t>1/11/2017</a:t>
             </a:fld>
@@ -5112,6 +5173,10 @@
           <a:bodyPr/>
           <a:lstStyle/>
           <a:p>
+            <a:r>
+              <a:rPr lang="en-US"/>
+              <a:t>7</a:t>
+            </a:r>
             <a:endParaRPr lang="en-US" dirty="0"/>
           </a:p>
         </p:txBody>
@@ -5376,7 +5441,7 @@
           <a:bodyPr/>
           <a:lstStyle/>
           <a:p>
-            <a:fld id="{B07E01AF-CA14-4C84-B37B-DA71063A9B3F}" type="datetime1">
+            <a:fld id="{BD4FACFB-1DD7-4BF0-84B0-53843CFD970A}" type="datetime1">
               <a:rPr lang="en-US" smtClean="0"/>
               <a:t>1/11/2017</a:t>
             </a:fld>
@@ -5399,6 +5464,10 @@
           <a:bodyPr/>
           <a:lstStyle/>
           <a:p>
+            <a:r>
+              <a:rPr lang="en-US"/>
+              <a:t>7</a:t>
+            </a:r>
             <a:endParaRPr lang="en-US" dirty="0"/>
           </a:p>
         </p:txBody>
@@ -5902,7 +5971,7 @@
             </a:lvl1pPr>
           </a:lstStyle>
           <a:p>
-            <a:fld id="{3E5CDA7F-CC34-43C7-8A9C-3AE254C2B344}" type="datetime1">
+            <a:fld id="{632E9158-0431-47B9-8CE2-F44721DA5C3F}" type="datetime1">
               <a:rPr lang="en-US" smtClean="0"/>
               <a:t>1/11/2017</a:t>
             </a:fld>
@@ -5943,6 +6012,10 @@
             </a:lvl1pPr>
           </a:lstStyle>
           <a:p>
+            <a:r>
+              <a:rPr lang="en-US"/>
+              <a:t>7</a:t>
+            </a:r>
             <a:endParaRPr lang="en-US" dirty="0"/>
           </a:p>
         </p:txBody>
@@ -6771,6 +6844,326 @@
   <p:clrMapOvr>
     <a:masterClrMapping/>
   </p:clrMapOvr>
+  <p:timing>
+    <p:tnLst>
+      <p:par>
+        <p:cTn id="1" dur="indefinite" restart="never" nodeType="tmRoot">
+          <p:childTnLst>
+            <p:seq concurrent="1" nextAc="seek">
+              <p:cTn id="2" dur="indefinite" nodeType="mainSeq">
+                <p:childTnLst>
+                  <p:par>
+                    <p:cTn id="3" fill="hold">
+                      <p:stCondLst>
+                        <p:cond delay="indefinite"/>
+                      </p:stCondLst>
+                      <p:childTnLst>
+                        <p:par>
+                          <p:cTn id="4" fill="hold">
+                            <p:stCondLst>
+                              <p:cond delay="0"/>
+                            </p:stCondLst>
+                            <p:childTnLst>
+                              <p:par>
+                                <p:cTn id="5" presetID="10" presetClass="entr" presetSubtype="0" fill="hold" grpId="0" nodeType="clickEffect">
+                                  <p:stCondLst>
+                                    <p:cond delay="0"/>
+                                  </p:stCondLst>
+                                  <p:childTnLst>
+                                    <p:set>
+                                      <p:cBhvr>
+                                        <p:cTn id="6" dur="1" fill="hold">
+                                          <p:stCondLst>
+                                            <p:cond delay="0"/>
+                                          </p:stCondLst>
+                                        </p:cTn>
+                                        <p:tgtEl>
+                                          <p:spTgt spid="3">
+                                            <p:txEl>
+                                              <p:pRg st="0" end="0"/>
+                                            </p:txEl>
+                                          </p:spTgt>
+                                        </p:tgtEl>
+                                        <p:attrNameLst>
+                                          <p:attrName>style.visibility</p:attrName>
+                                        </p:attrNameLst>
+                                      </p:cBhvr>
+                                      <p:to>
+                                        <p:strVal val="visible"/>
+                                      </p:to>
+                                    </p:set>
+                                    <p:animEffect transition="in" filter="fade">
+                                      <p:cBhvr>
+                                        <p:cTn id="7" dur="500"/>
+                                        <p:tgtEl>
+                                          <p:spTgt spid="3">
+                                            <p:txEl>
+                                              <p:pRg st="0" end="0"/>
+                                            </p:txEl>
+                                          </p:spTgt>
+                                        </p:tgtEl>
+                                      </p:cBhvr>
+                                    </p:animEffect>
+                                  </p:childTnLst>
+                                </p:cTn>
+                              </p:par>
+                            </p:childTnLst>
+                          </p:cTn>
+                        </p:par>
+                      </p:childTnLst>
+                    </p:cTn>
+                  </p:par>
+                  <p:par>
+                    <p:cTn id="8" fill="hold">
+                      <p:stCondLst>
+                        <p:cond delay="indefinite"/>
+                      </p:stCondLst>
+                      <p:childTnLst>
+                        <p:par>
+                          <p:cTn id="9" fill="hold">
+                            <p:stCondLst>
+                              <p:cond delay="0"/>
+                            </p:stCondLst>
+                            <p:childTnLst>
+                              <p:par>
+                                <p:cTn id="10" presetID="10" presetClass="entr" presetSubtype="0" fill="hold" grpId="0" nodeType="clickEffect">
+                                  <p:stCondLst>
+                                    <p:cond delay="0"/>
+                                  </p:stCondLst>
+                                  <p:childTnLst>
+                                    <p:set>
+                                      <p:cBhvr>
+                                        <p:cTn id="11" dur="1" fill="hold">
+                                          <p:stCondLst>
+                                            <p:cond delay="0"/>
+                                          </p:stCondLst>
+                                        </p:cTn>
+                                        <p:tgtEl>
+                                          <p:spTgt spid="3">
+                                            <p:txEl>
+                                              <p:pRg st="2" end="2"/>
+                                            </p:txEl>
+                                          </p:spTgt>
+                                        </p:tgtEl>
+                                        <p:attrNameLst>
+                                          <p:attrName>style.visibility</p:attrName>
+                                        </p:attrNameLst>
+                                      </p:cBhvr>
+                                      <p:to>
+                                        <p:strVal val="visible"/>
+                                      </p:to>
+                                    </p:set>
+                                    <p:animEffect transition="in" filter="fade">
+                                      <p:cBhvr>
+                                        <p:cTn id="12" dur="500"/>
+                                        <p:tgtEl>
+                                          <p:spTgt spid="3">
+                                            <p:txEl>
+                                              <p:pRg st="2" end="2"/>
+                                            </p:txEl>
+                                          </p:spTgt>
+                                        </p:tgtEl>
+                                      </p:cBhvr>
+                                    </p:animEffect>
+                                  </p:childTnLst>
+                                </p:cTn>
+                              </p:par>
+                            </p:childTnLst>
+                          </p:cTn>
+                        </p:par>
+                      </p:childTnLst>
+                    </p:cTn>
+                  </p:par>
+                  <p:par>
+                    <p:cTn id="13" fill="hold">
+                      <p:stCondLst>
+                        <p:cond delay="indefinite"/>
+                      </p:stCondLst>
+                      <p:childTnLst>
+                        <p:par>
+                          <p:cTn id="14" fill="hold">
+                            <p:stCondLst>
+                              <p:cond delay="0"/>
+                            </p:stCondLst>
+                            <p:childTnLst>
+                              <p:par>
+                                <p:cTn id="15" presetID="10" presetClass="entr" presetSubtype="0" fill="hold" grpId="0" nodeType="clickEffect">
+                                  <p:stCondLst>
+                                    <p:cond delay="0"/>
+                                  </p:stCondLst>
+                                  <p:childTnLst>
+                                    <p:set>
+                                      <p:cBhvr>
+                                        <p:cTn id="16" dur="1" fill="hold">
+                                          <p:stCondLst>
+                                            <p:cond delay="0"/>
+                                          </p:stCondLst>
+                                        </p:cTn>
+                                        <p:tgtEl>
+                                          <p:spTgt spid="3">
+                                            <p:txEl>
+                                              <p:pRg st="3" end="3"/>
+                                            </p:txEl>
+                                          </p:spTgt>
+                                        </p:tgtEl>
+                                        <p:attrNameLst>
+                                          <p:attrName>style.visibility</p:attrName>
+                                        </p:attrNameLst>
+                                      </p:cBhvr>
+                                      <p:to>
+                                        <p:strVal val="visible"/>
+                                      </p:to>
+                                    </p:set>
+                                    <p:animEffect transition="in" filter="fade">
+                                      <p:cBhvr>
+                                        <p:cTn id="17" dur="500"/>
+                                        <p:tgtEl>
+                                          <p:spTgt spid="3">
+                                            <p:txEl>
+                                              <p:pRg st="3" end="3"/>
+                                            </p:txEl>
+                                          </p:spTgt>
+                                        </p:tgtEl>
+                                      </p:cBhvr>
+                                    </p:animEffect>
+                                  </p:childTnLst>
+                                </p:cTn>
+                              </p:par>
+                            </p:childTnLst>
+                          </p:cTn>
+                        </p:par>
+                      </p:childTnLst>
+                    </p:cTn>
+                  </p:par>
+                  <p:par>
+                    <p:cTn id="18" fill="hold">
+                      <p:stCondLst>
+                        <p:cond delay="indefinite"/>
+                      </p:stCondLst>
+                      <p:childTnLst>
+                        <p:par>
+                          <p:cTn id="19" fill="hold">
+                            <p:stCondLst>
+                              <p:cond delay="0"/>
+                            </p:stCondLst>
+                            <p:childTnLst>
+                              <p:par>
+                                <p:cTn id="20" presetID="10" presetClass="entr" presetSubtype="0" fill="hold" grpId="0" nodeType="clickEffect">
+                                  <p:stCondLst>
+                                    <p:cond delay="0"/>
+                                  </p:stCondLst>
+                                  <p:childTnLst>
+                                    <p:set>
+                                      <p:cBhvr>
+                                        <p:cTn id="21" dur="1" fill="hold">
+                                          <p:stCondLst>
+                                            <p:cond delay="0"/>
+                                          </p:stCondLst>
+                                        </p:cTn>
+                                        <p:tgtEl>
+                                          <p:spTgt spid="3">
+                                            <p:txEl>
+                                              <p:pRg st="4" end="4"/>
+                                            </p:txEl>
+                                          </p:spTgt>
+                                        </p:tgtEl>
+                                        <p:attrNameLst>
+                                          <p:attrName>style.visibility</p:attrName>
+                                        </p:attrNameLst>
+                                      </p:cBhvr>
+                                      <p:to>
+                                        <p:strVal val="visible"/>
+                                      </p:to>
+                                    </p:set>
+                                    <p:animEffect transition="in" filter="fade">
+                                      <p:cBhvr>
+                                        <p:cTn id="22" dur="500"/>
+                                        <p:tgtEl>
+                                          <p:spTgt spid="3">
+                                            <p:txEl>
+                                              <p:pRg st="4" end="4"/>
+                                            </p:txEl>
+                                          </p:spTgt>
+                                        </p:tgtEl>
+                                      </p:cBhvr>
+                                    </p:animEffect>
+                                  </p:childTnLst>
+                                </p:cTn>
+                              </p:par>
+                              <p:par>
+                                <p:cTn id="23" presetID="10" presetClass="entr" presetSubtype="0" fill="hold" grpId="0" nodeType="withEffect">
+                                  <p:stCondLst>
+                                    <p:cond delay="0"/>
+                                  </p:stCondLst>
+                                  <p:childTnLst>
+                                    <p:set>
+                                      <p:cBhvr>
+                                        <p:cTn id="24" dur="1" fill="hold">
+                                          <p:stCondLst>
+                                            <p:cond delay="0"/>
+                                          </p:stCondLst>
+                                        </p:cTn>
+                                        <p:tgtEl>
+                                          <p:spTgt spid="3">
+                                            <p:txEl>
+                                              <p:pRg st="5" end="5"/>
+                                            </p:txEl>
+                                          </p:spTgt>
+                                        </p:tgtEl>
+                                        <p:attrNameLst>
+                                          <p:attrName>style.visibility</p:attrName>
+                                        </p:attrNameLst>
+                                      </p:cBhvr>
+                                      <p:to>
+                                        <p:strVal val="visible"/>
+                                      </p:to>
+                                    </p:set>
+                                    <p:animEffect transition="in" filter="fade">
+                                      <p:cBhvr>
+                                        <p:cTn id="25" dur="500"/>
+                                        <p:tgtEl>
+                                          <p:spTgt spid="3">
+                                            <p:txEl>
+                                              <p:pRg st="5" end="5"/>
+                                            </p:txEl>
+                                          </p:spTgt>
+                                        </p:tgtEl>
+                                      </p:cBhvr>
+                                    </p:animEffect>
+                                  </p:childTnLst>
+                                </p:cTn>
+                              </p:par>
+                            </p:childTnLst>
+                          </p:cTn>
+                        </p:par>
+                      </p:childTnLst>
+                    </p:cTn>
+                  </p:par>
+                </p:childTnLst>
+              </p:cTn>
+              <p:prevCondLst>
+                <p:cond evt="onPrev" delay="0">
+                  <p:tgtEl>
+                    <p:sldTgt/>
+                  </p:tgtEl>
+                </p:cond>
+              </p:prevCondLst>
+              <p:nextCondLst>
+                <p:cond evt="onNext" delay="0">
+                  <p:tgtEl>
+                    <p:sldTgt/>
+                  </p:tgtEl>
+                </p:cond>
+              </p:nextCondLst>
+            </p:seq>
+          </p:childTnLst>
+        </p:cTn>
+      </p:par>
+    </p:tnLst>
+    <p:bldLst>
+      <p:bldP spid="3" grpId="0" uiExpand="1" build="p"/>
+    </p:bldLst>
+  </p:timing>
 </p:sld>
 </file>
 
@@ -7017,6 +7410,9 @@
             </a:r>
           </a:p>
           <a:p>
+            <a:pPr marL="0" indent="0">
+              <a:buNone/>
+            </a:pPr>
             <a:r>
               <a:rPr lang="fr-FR" dirty="0"/>
               <a:t>réaliser un code plus fonctionnelle</a:t>
@@ -7101,6 +7497,369 @@
   <p:clrMapOvr>
     <a:masterClrMapping/>
   </p:clrMapOvr>
+  <p:timing>
+    <p:tnLst>
+      <p:par>
+        <p:cTn id="1" dur="indefinite" restart="never" nodeType="tmRoot">
+          <p:childTnLst>
+            <p:seq concurrent="1" nextAc="seek">
+              <p:cTn id="2" dur="indefinite" nodeType="mainSeq">
+                <p:childTnLst>
+                  <p:par>
+                    <p:cTn id="3" fill="hold">
+                      <p:stCondLst>
+                        <p:cond delay="indefinite"/>
+                      </p:stCondLst>
+                      <p:childTnLst>
+                        <p:par>
+                          <p:cTn id="4" fill="hold">
+                            <p:stCondLst>
+                              <p:cond delay="0"/>
+                            </p:stCondLst>
+                            <p:childTnLst>
+                              <p:par>
+                                <p:cTn id="5" presetID="10" presetClass="entr" presetSubtype="0" fill="hold" grpId="0" nodeType="clickEffect">
+                                  <p:stCondLst>
+                                    <p:cond delay="0"/>
+                                  </p:stCondLst>
+                                  <p:childTnLst>
+                                    <p:set>
+                                      <p:cBhvr>
+                                        <p:cTn id="6" dur="1" fill="hold">
+                                          <p:stCondLst>
+                                            <p:cond delay="0"/>
+                                          </p:stCondLst>
+                                        </p:cTn>
+                                        <p:tgtEl>
+                                          <p:spTgt spid="3">
+                                            <p:txEl>
+                                              <p:pRg st="0" end="0"/>
+                                            </p:txEl>
+                                          </p:spTgt>
+                                        </p:tgtEl>
+                                        <p:attrNameLst>
+                                          <p:attrName>style.visibility</p:attrName>
+                                        </p:attrNameLst>
+                                      </p:cBhvr>
+                                      <p:to>
+                                        <p:strVal val="visible"/>
+                                      </p:to>
+                                    </p:set>
+                                    <p:animEffect transition="in" filter="fade">
+                                      <p:cBhvr>
+                                        <p:cTn id="7" dur="500"/>
+                                        <p:tgtEl>
+                                          <p:spTgt spid="3">
+                                            <p:txEl>
+                                              <p:pRg st="0" end="0"/>
+                                            </p:txEl>
+                                          </p:spTgt>
+                                        </p:tgtEl>
+                                      </p:cBhvr>
+                                    </p:animEffect>
+                                  </p:childTnLst>
+                                </p:cTn>
+                              </p:par>
+                            </p:childTnLst>
+                          </p:cTn>
+                        </p:par>
+                      </p:childTnLst>
+                    </p:cTn>
+                  </p:par>
+                  <p:par>
+                    <p:cTn id="8" fill="hold">
+                      <p:stCondLst>
+                        <p:cond delay="indefinite"/>
+                      </p:stCondLst>
+                      <p:childTnLst>
+                        <p:par>
+                          <p:cTn id="9" fill="hold">
+                            <p:stCondLst>
+                              <p:cond delay="0"/>
+                            </p:stCondLst>
+                            <p:childTnLst>
+                              <p:par>
+                                <p:cTn id="10" presetID="10" presetClass="entr" presetSubtype="0" fill="hold" grpId="0" nodeType="clickEffect">
+                                  <p:stCondLst>
+                                    <p:cond delay="0"/>
+                                  </p:stCondLst>
+                                  <p:childTnLst>
+                                    <p:set>
+                                      <p:cBhvr>
+                                        <p:cTn id="11" dur="1" fill="hold">
+                                          <p:stCondLst>
+                                            <p:cond delay="0"/>
+                                          </p:stCondLst>
+                                        </p:cTn>
+                                        <p:tgtEl>
+                                          <p:spTgt spid="3">
+                                            <p:txEl>
+                                              <p:pRg st="2" end="2"/>
+                                            </p:txEl>
+                                          </p:spTgt>
+                                        </p:tgtEl>
+                                        <p:attrNameLst>
+                                          <p:attrName>style.visibility</p:attrName>
+                                        </p:attrNameLst>
+                                      </p:cBhvr>
+                                      <p:to>
+                                        <p:strVal val="visible"/>
+                                      </p:to>
+                                    </p:set>
+                                    <p:animEffect transition="in" filter="fade">
+                                      <p:cBhvr>
+                                        <p:cTn id="12" dur="500"/>
+                                        <p:tgtEl>
+                                          <p:spTgt spid="3">
+                                            <p:txEl>
+                                              <p:pRg st="2" end="2"/>
+                                            </p:txEl>
+                                          </p:spTgt>
+                                        </p:tgtEl>
+                                      </p:cBhvr>
+                                    </p:animEffect>
+                                  </p:childTnLst>
+                                </p:cTn>
+                              </p:par>
+                              <p:par>
+                                <p:cTn id="13" presetID="10" presetClass="entr" presetSubtype="0" fill="hold" grpId="0" nodeType="withEffect">
+                                  <p:stCondLst>
+                                    <p:cond delay="0"/>
+                                  </p:stCondLst>
+                                  <p:childTnLst>
+                                    <p:set>
+                                      <p:cBhvr>
+                                        <p:cTn id="14" dur="1" fill="hold">
+                                          <p:stCondLst>
+                                            <p:cond delay="0"/>
+                                          </p:stCondLst>
+                                        </p:cTn>
+                                        <p:tgtEl>
+                                          <p:spTgt spid="3">
+                                            <p:txEl>
+                                              <p:pRg st="3" end="3"/>
+                                            </p:txEl>
+                                          </p:spTgt>
+                                        </p:tgtEl>
+                                        <p:attrNameLst>
+                                          <p:attrName>style.visibility</p:attrName>
+                                        </p:attrNameLst>
+                                      </p:cBhvr>
+                                      <p:to>
+                                        <p:strVal val="visible"/>
+                                      </p:to>
+                                    </p:set>
+                                    <p:animEffect transition="in" filter="fade">
+                                      <p:cBhvr>
+                                        <p:cTn id="15" dur="500"/>
+                                        <p:tgtEl>
+                                          <p:spTgt spid="3">
+                                            <p:txEl>
+                                              <p:pRg st="3" end="3"/>
+                                            </p:txEl>
+                                          </p:spTgt>
+                                        </p:tgtEl>
+                                      </p:cBhvr>
+                                    </p:animEffect>
+                                  </p:childTnLst>
+                                </p:cTn>
+                              </p:par>
+                            </p:childTnLst>
+                          </p:cTn>
+                        </p:par>
+                      </p:childTnLst>
+                    </p:cTn>
+                  </p:par>
+                  <p:par>
+                    <p:cTn id="16" fill="hold">
+                      <p:stCondLst>
+                        <p:cond delay="indefinite"/>
+                      </p:stCondLst>
+                      <p:childTnLst>
+                        <p:par>
+                          <p:cTn id="17" fill="hold">
+                            <p:stCondLst>
+                              <p:cond delay="0"/>
+                            </p:stCondLst>
+                            <p:childTnLst>
+                              <p:par>
+                                <p:cTn id="18" presetID="10" presetClass="entr" presetSubtype="0" fill="hold" grpId="0" nodeType="clickEffect">
+                                  <p:stCondLst>
+                                    <p:cond delay="0"/>
+                                  </p:stCondLst>
+                                  <p:childTnLst>
+                                    <p:set>
+                                      <p:cBhvr>
+                                        <p:cTn id="19" dur="1" fill="hold">
+                                          <p:stCondLst>
+                                            <p:cond delay="0"/>
+                                          </p:stCondLst>
+                                        </p:cTn>
+                                        <p:tgtEl>
+                                          <p:spTgt spid="3">
+                                            <p:txEl>
+                                              <p:pRg st="5" end="5"/>
+                                            </p:txEl>
+                                          </p:spTgt>
+                                        </p:tgtEl>
+                                        <p:attrNameLst>
+                                          <p:attrName>style.visibility</p:attrName>
+                                        </p:attrNameLst>
+                                      </p:cBhvr>
+                                      <p:to>
+                                        <p:strVal val="visible"/>
+                                      </p:to>
+                                    </p:set>
+                                    <p:animEffect transition="in" filter="fade">
+                                      <p:cBhvr>
+                                        <p:cTn id="20" dur="500"/>
+                                        <p:tgtEl>
+                                          <p:spTgt spid="3">
+                                            <p:txEl>
+                                              <p:pRg st="5" end="5"/>
+                                            </p:txEl>
+                                          </p:spTgt>
+                                        </p:tgtEl>
+                                      </p:cBhvr>
+                                    </p:animEffect>
+                                  </p:childTnLst>
+                                </p:cTn>
+                              </p:par>
+                            </p:childTnLst>
+                          </p:cTn>
+                        </p:par>
+                      </p:childTnLst>
+                    </p:cTn>
+                  </p:par>
+                  <p:par>
+                    <p:cTn id="21" fill="hold">
+                      <p:stCondLst>
+                        <p:cond delay="indefinite"/>
+                      </p:stCondLst>
+                      <p:childTnLst>
+                        <p:par>
+                          <p:cTn id="22" fill="hold">
+                            <p:stCondLst>
+                              <p:cond delay="0"/>
+                            </p:stCondLst>
+                            <p:childTnLst>
+                              <p:par>
+                                <p:cTn id="23" presetID="10" presetClass="entr" presetSubtype="0" fill="hold" grpId="0" nodeType="clickEffect">
+                                  <p:stCondLst>
+                                    <p:cond delay="0"/>
+                                  </p:stCondLst>
+                                  <p:childTnLst>
+                                    <p:set>
+                                      <p:cBhvr>
+                                        <p:cTn id="24" dur="1" fill="hold">
+                                          <p:stCondLst>
+                                            <p:cond delay="0"/>
+                                          </p:stCondLst>
+                                        </p:cTn>
+                                        <p:tgtEl>
+                                          <p:spTgt spid="3">
+                                            <p:txEl>
+                                              <p:pRg st="7" end="7"/>
+                                            </p:txEl>
+                                          </p:spTgt>
+                                        </p:tgtEl>
+                                        <p:attrNameLst>
+                                          <p:attrName>style.visibility</p:attrName>
+                                        </p:attrNameLst>
+                                      </p:cBhvr>
+                                      <p:to>
+                                        <p:strVal val="visible"/>
+                                      </p:to>
+                                    </p:set>
+                                    <p:animEffect transition="in" filter="fade">
+                                      <p:cBhvr>
+                                        <p:cTn id="25" dur="500"/>
+                                        <p:tgtEl>
+                                          <p:spTgt spid="3">
+                                            <p:txEl>
+                                              <p:pRg st="7" end="7"/>
+                                            </p:txEl>
+                                          </p:spTgt>
+                                        </p:tgtEl>
+                                      </p:cBhvr>
+                                    </p:animEffect>
+                                  </p:childTnLst>
+                                </p:cTn>
+                              </p:par>
+                              <p:par>
+                                <p:cTn id="26" presetID="10" presetClass="entr" presetSubtype="0" fill="hold" grpId="0" nodeType="withEffect">
+                                  <p:stCondLst>
+                                    <p:cond delay="0"/>
+                                  </p:stCondLst>
+                                  <p:childTnLst>
+                                    <p:set>
+                                      <p:cBhvr>
+                                        <p:cTn id="27" dur="1" fill="hold">
+                                          <p:stCondLst>
+                                            <p:cond delay="0"/>
+                                          </p:stCondLst>
+                                        </p:cTn>
+                                        <p:tgtEl>
+                                          <p:spTgt spid="3">
+                                            <p:txEl>
+                                              <p:pRg st="8" end="8"/>
+                                            </p:txEl>
+                                          </p:spTgt>
+                                        </p:tgtEl>
+                                        <p:attrNameLst>
+                                          <p:attrName>style.visibility</p:attrName>
+                                        </p:attrNameLst>
+                                      </p:cBhvr>
+                                      <p:to>
+                                        <p:strVal val="visible"/>
+                                      </p:to>
+                                    </p:set>
+                                    <p:animEffect transition="in" filter="fade">
+                                      <p:cBhvr>
+                                        <p:cTn id="28" dur="500"/>
+                                        <p:tgtEl>
+                                          <p:spTgt spid="3">
+                                            <p:txEl>
+                                              <p:pRg st="8" end="8"/>
+                                            </p:txEl>
+                                          </p:spTgt>
+                                        </p:tgtEl>
+                                      </p:cBhvr>
+                                    </p:animEffect>
+                                  </p:childTnLst>
+                                </p:cTn>
+                              </p:par>
+                            </p:childTnLst>
+                          </p:cTn>
+                        </p:par>
+                      </p:childTnLst>
+                    </p:cTn>
+                  </p:par>
+                </p:childTnLst>
+              </p:cTn>
+              <p:prevCondLst>
+                <p:cond evt="onPrev" delay="0">
+                  <p:tgtEl>
+                    <p:sldTgt/>
+                  </p:tgtEl>
+                </p:cond>
+              </p:prevCondLst>
+              <p:nextCondLst>
+                <p:cond evt="onNext" delay="0">
+                  <p:tgtEl>
+                    <p:sldTgt/>
+                  </p:tgtEl>
+                </p:cond>
+              </p:nextCondLst>
+            </p:seq>
+          </p:childTnLst>
+        </p:cTn>
+      </p:par>
+    </p:tnLst>
+    <p:bldLst>
+      <p:bldP spid="3" grpId="0" uiExpand="1" build="p"/>
+    </p:bldLst>
+  </p:timing>
 </p:sld>
 </file>
 
@@ -7131,7 +7890,12 @@
             <p:ph type="title"/>
           </p:nvPr>
         </p:nvSpPr>
-        <p:spPr/>
+        <p:spPr>
+          <a:xfrm>
+            <a:off x="1896435" y="354631"/>
+            <a:ext cx="10018713" cy="1752599"/>
+          </a:xfrm>
+        </p:spPr>
         <p:txBody>
           <a:bodyPr/>
           <a:lstStyle/>
@@ -7161,7 +7925,9 @@
           </a:xfrm>
         </p:spPr>
         <p:txBody>
-          <a:bodyPr/>
+          <a:bodyPr>
+            <a:normAutofit/>
+          </a:bodyPr>
           <a:lstStyle/>
           <a:p>
             <a:r>
@@ -7172,7 +7938,7 @@
           <a:p>
             <a:r>
               <a:rPr lang="fr-FR" dirty="0"/>
-              <a:t>Mauvaise gestion du temps  </a:t>
+              <a:t>Mauvaise gestion du temps</a:t>
             </a:r>
           </a:p>
           <a:p>
@@ -7229,6 +7995,344 @@
   <p:clrMapOvr>
     <a:masterClrMapping/>
   </p:clrMapOvr>
+  <p:timing>
+    <p:tnLst>
+      <p:par>
+        <p:cTn id="1" dur="indefinite" restart="never" nodeType="tmRoot">
+          <p:childTnLst>
+            <p:seq concurrent="1" nextAc="seek">
+              <p:cTn id="2" dur="indefinite" nodeType="mainSeq">
+                <p:childTnLst>
+                  <p:par>
+                    <p:cTn id="3" fill="hold">
+                      <p:stCondLst>
+                        <p:cond delay="indefinite"/>
+                      </p:stCondLst>
+                      <p:childTnLst>
+                        <p:par>
+                          <p:cTn id="4" fill="hold">
+                            <p:stCondLst>
+                              <p:cond delay="0"/>
+                            </p:stCondLst>
+                            <p:childTnLst>
+                              <p:par>
+                                <p:cTn id="5" presetID="10" presetClass="entr" presetSubtype="0" fill="hold" grpId="0" nodeType="clickEffect">
+                                  <p:stCondLst>
+                                    <p:cond delay="0"/>
+                                  </p:stCondLst>
+                                  <p:childTnLst>
+                                    <p:set>
+                                      <p:cBhvr>
+                                        <p:cTn id="6" dur="1" fill="hold">
+                                          <p:stCondLst>
+                                            <p:cond delay="0"/>
+                                          </p:stCondLst>
+                                        </p:cTn>
+                                        <p:tgtEl>
+                                          <p:spTgt spid="3">
+                                            <p:txEl>
+                                              <p:pRg st="0" end="0"/>
+                                            </p:txEl>
+                                          </p:spTgt>
+                                        </p:tgtEl>
+                                        <p:attrNameLst>
+                                          <p:attrName>style.visibility</p:attrName>
+                                        </p:attrNameLst>
+                                      </p:cBhvr>
+                                      <p:to>
+                                        <p:strVal val="visible"/>
+                                      </p:to>
+                                    </p:set>
+                                    <p:animEffect transition="in" filter="fade">
+                                      <p:cBhvr>
+                                        <p:cTn id="7" dur="500"/>
+                                        <p:tgtEl>
+                                          <p:spTgt spid="3">
+                                            <p:txEl>
+                                              <p:pRg st="0" end="0"/>
+                                            </p:txEl>
+                                          </p:spTgt>
+                                        </p:tgtEl>
+                                      </p:cBhvr>
+                                    </p:animEffect>
+                                  </p:childTnLst>
+                                </p:cTn>
+                              </p:par>
+                            </p:childTnLst>
+                          </p:cTn>
+                        </p:par>
+                      </p:childTnLst>
+                    </p:cTn>
+                  </p:par>
+                  <p:par>
+                    <p:cTn id="8" fill="hold">
+                      <p:stCondLst>
+                        <p:cond delay="indefinite"/>
+                      </p:stCondLst>
+                      <p:childTnLst>
+                        <p:par>
+                          <p:cTn id="9" fill="hold">
+                            <p:stCondLst>
+                              <p:cond delay="0"/>
+                            </p:stCondLst>
+                            <p:childTnLst>
+                              <p:par>
+                                <p:cTn id="10" presetID="10" presetClass="entr" presetSubtype="0" fill="hold" grpId="0" nodeType="clickEffect">
+                                  <p:stCondLst>
+                                    <p:cond delay="0"/>
+                                  </p:stCondLst>
+                                  <p:childTnLst>
+                                    <p:set>
+                                      <p:cBhvr>
+                                        <p:cTn id="11" dur="1" fill="hold">
+                                          <p:stCondLst>
+                                            <p:cond delay="0"/>
+                                          </p:stCondLst>
+                                        </p:cTn>
+                                        <p:tgtEl>
+                                          <p:spTgt spid="3">
+                                            <p:txEl>
+                                              <p:pRg st="1" end="1"/>
+                                            </p:txEl>
+                                          </p:spTgt>
+                                        </p:tgtEl>
+                                        <p:attrNameLst>
+                                          <p:attrName>style.visibility</p:attrName>
+                                        </p:attrNameLst>
+                                      </p:cBhvr>
+                                      <p:to>
+                                        <p:strVal val="visible"/>
+                                      </p:to>
+                                    </p:set>
+                                    <p:animEffect transition="in" filter="fade">
+                                      <p:cBhvr>
+                                        <p:cTn id="12" dur="500"/>
+                                        <p:tgtEl>
+                                          <p:spTgt spid="3">
+                                            <p:txEl>
+                                              <p:pRg st="1" end="1"/>
+                                            </p:txEl>
+                                          </p:spTgt>
+                                        </p:tgtEl>
+                                      </p:cBhvr>
+                                    </p:animEffect>
+                                  </p:childTnLst>
+                                </p:cTn>
+                              </p:par>
+                            </p:childTnLst>
+                          </p:cTn>
+                        </p:par>
+                      </p:childTnLst>
+                    </p:cTn>
+                  </p:par>
+                  <p:par>
+                    <p:cTn id="13" fill="hold">
+                      <p:stCondLst>
+                        <p:cond delay="indefinite"/>
+                      </p:stCondLst>
+                      <p:childTnLst>
+                        <p:par>
+                          <p:cTn id="14" fill="hold">
+                            <p:stCondLst>
+                              <p:cond delay="0"/>
+                            </p:stCondLst>
+                            <p:childTnLst>
+                              <p:par>
+                                <p:cTn id="15" presetID="10" presetClass="entr" presetSubtype="0" fill="hold" grpId="0" nodeType="clickEffect">
+                                  <p:stCondLst>
+                                    <p:cond delay="0"/>
+                                  </p:stCondLst>
+                                  <p:childTnLst>
+                                    <p:set>
+                                      <p:cBhvr>
+                                        <p:cTn id="16" dur="1" fill="hold">
+                                          <p:stCondLst>
+                                            <p:cond delay="0"/>
+                                          </p:stCondLst>
+                                        </p:cTn>
+                                        <p:tgtEl>
+                                          <p:spTgt spid="3">
+                                            <p:txEl>
+                                              <p:pRg st="2" end="2"/>
+                                            </p:txEl>
+                                          </p:spTgt>
+                                        </p:tgtEl>
+                                        <p:attrNameLst>
+                                          <p:attrName>style.visibility</p:attrName>
+                                        </p:attrNameLst>
+                                      </p:cBhvr>
+                                      <p:to>
+                                        <p:strVal val="visible"/>
+                                      </p:to>
+                                    </p:set>
+                                    <p:animEffect transition="in" filter="fade">
+                                      <p:cBhvr>
+                                        <p:cTn id="17" dur="500"/>
+                                        <p:tgtEl>
+                                          <p:spTgt spid="3">
+                                            <p:txEl>
+                                              <p:pRg st="2" end="2"/>
+                                            </p:txEl>
+                                          </p:spTgt>
+                                        </p:tgtEl>
+                                      </p:cBhvr>
+                                    </p:animEffect>
+                                  </p:childTnLst>
+                                </p:cTn>
+                              </p:par>
+                            </p:childTnLst>
+                          </p:cTn>
+                        </p:par>
+                      </p:childTnLst>
+                    </p:cTn>
+                  </p:par>
+                  <p:par>
+                    <p:cTn id="18" fill="hold">
+                      <p:stCondLst>
+                        <p:cond delay="indefinite"/>
+                      </p:stCondLst>
+                      <p:childTnLst>
+                        <p:par>
+                          <p:cTn id="19" fill="hold">
+                            <p:stCondLst>
+                              <p:cond delay="0"/>
+                            </p:stCondLst>
+                            <p:childTnLst>
+                              <p:par>
+                                <p:cTn id="20" presetID="10" presetClass="entr" presetSubtype="0" fill="hold" grpId="0" nodeType="clickEffect">
+                                  <p:stCondLst>
+                                    <p:cond delay="0"/>
+                                  </p:stCondLst>
+                                  <p:childTnLst>
+                                    <p:set>
+                                      <p:cBhvr>
+                                        <p:cTn id="21" dur="1" fill="hold">
+                                          <p:stCondLst>
+                                            <p:cond delay="0"/>
+                                          </p:stCondLst>
+                                        </p:cTn>
+                                        <p:tgtEl>
+                                          <p:spTgt spid="3">
+                                            <p:txEl>
+                                              <p:pRg st="3" end="3"/>
+                                            </p:txEl>
+                                          </p:spTgt>
+                                        </p:tgtEl>
+                                        <p:attrNameLst>
+                                          <p:attrName>style.visibility</p:attrName>
+                                        </p:attrNameLst>
+                                      </p:cBhvr>
+                                      <p:to>
+                                        <p:strVal val="visible"/>
+                                      </p:to>
+                                    </p:set>
+                                    <p:animEffect transition="in" filter="fade">
+                                      <p:cBhvr>
+                                        <p:cTn id="22" dur="500"/>
+                                        <p:tgtEl>
+                                          <p:spTgt spid="3">
+                                            <p:txEl>
+                                              <p:pRg st="3" end="3"/>
+                                            </p:txEl>
+                                          </p:spTgt>
+                                        </p:tgtEl>
+                                      </p:cBhvr>
+                                    </p:animEffect>
+                                  </p:childTnLst>
+                                </p:cTn>
+                              </p:par>
+                            </p:childTnLst>
+                          </p:cTn>
+                        </p:par>
+                      </p:childTnLst>
+                    </p:cTn>
+                  </p:par>
+                  <p:par>
+                    <p:cTn id="23" fill="hold">
+                      <p:stCondLst>
+                        <p:cond delay="indefinite"/>
+                      </p:stCondLst>
+                      <p:childTnLst>
+                        <p:par>
+                          <p:cTn id="24" fill="hold">
+                            <p:stCondLst>
+                              <p:cond delay="0"/>
+                            </p:stCondLst>
+                            <p:childTnLst>
+                              <p:par>
+                                <p:cTn id="25" presetID="10" presetClass="entr" presetSubtype="0" fill="hold" grpId="0" nodeType="clickEffect">
+                                  <p:stCondLst>
+                                    <p:cond delay="0"/>
+                                  </p:stCondLst>
+                                  <p:childTnLst>
+                                    <p:set>
+                                      <p:cBhvr>
+                                        <p:cTn id="26" dur="1" fill="hold">
+                                          <p:stCondLst>
+                                            <p:cond delay="0"/>
+                                          </p:stCondLst>
+                                        </p:cTn>
+                                        <p:tgtEl>
+                                          <p:spTgt spid="3">
+                                            <p:txEl>
+                                              <p:pRg st="4" end="4"/>
+                                            </p:txEl>
+                                          </p:spTgt>
+                                        </p:tgtEl>
+                                        <p:attrNameLst>
+                                          <p:attrName>style.visibility</p:attrName>
+                                        </p:attrNameLst>
+                                      </p:cBhvr>
+                                      <p:to>
+                                        <p:strVal val="visible"/>
+                                      </p:to>
+                                    </p:set>
+                                    <p:animEffect transition="in" filter="fade">
+                                      <p:cBhvr>
+                                        <p:cTn id="27" dur="500"/>
+                                        <p:tgtEl>
+                                          <p:spTgt spid="3">
+                                            <p:txEl>
+                                              <p:pRg st="4" end="4"/>
+                                            </p:txEl>
+                                          </p:spTgt>
+                                        </p:tgtEl>
+                                      </p:cBhvr>
+                                    </p:animEffect>
+                                  </p:childTnLst>
+                                </p:cTn>
+                              </p:par>
+                            </p:childTnLst>
+                          </p:cTn>
+                        </p:par>
+                      </p:childTnLst>
+                    </p:cTn>
+                  </p:par>
+                </p:childTnLst>
+              </p:cTn>
+              <p:prevCondLst>
+                <p:cond evt="onPrev" delay="0">
+                  <p:tgtEl>
+                    <p:sldTgt/>
+                  </p:tgtEl>
+                </p:cond>
+              </p:prevCondLst>
+              <p:nextCondLst>
+                <p:cond evt="onNext" delay="0">
+                  <p:tgtEl>
+                    <p:sldTgt/>
+                  </p:tgtEl>
+                </p:cond>
+              </p:nextCondLst>
+            </p:seq>
+          </p:childTnLst>
+        </p:cTn>
+      </p:par>
+    </p:tnLst>
+    <p:bldLst>
+      <p:bldP spid="3" grpId="0" build="p"/>
+    </p:bldLst>
+  </p:timing>
 </p:sld>
 </file>
 
@@ -7261,6 +8365,173 @@
         </p:nvSpPr>
         <p:spPr>
           <a:xfrm>
+            <a:off x="1716131" y="453980"/>
+            <a:ext cx="10018713" cy="1752599"/>
+          </a:xfrm>
+        </p:spPr>
+        <p:txBody>
+          <a:bodyPr/>
+          <a:lstStyle/>
+          <a:p>
+            <a:pPr algn="l"/>
+            <a:r>
+              <a:rPr lang="fr-FR" dirty="0"/>
+              <a:t>Répartition du travail</a:t>
+            </a:r>
+          </a:p>
+        </p:txBody>
+      </p:sp>
+      <p:sp>
+        <p:nvSpPr>
+          <p:cNvPr id="3" name="Espace réservé du contenu 2"/>
+          <p:cNvSpPr>
+            <a:spLocks noGrp="1"/>
+          </p:cNvSpPr>
+          <p:nvPr>
+            <p:ph idx="1"/>
+          </p:nvPr>
+        </p:nvSpPr>
+        <p:spPr/>
+        <p:txBody>
+          <a:bodyPr/>
+          <a:lstStyle/>
+          <a:p>
+            <a:r>
+              <a:rPr lang="fr-FR" dirty="0"/>
+              <a:t>Daniel : interface QT, Individu</a:t>
+            </a:r>
+            <a:r>
+              <a:rPr lang="fr-FR"/>
+              <a:t>, Filière, Rapport</a:t>
+            </a:r>
+            <a:r>
+              <a:rPr lang="fr-FR" dirty="0"/>
+              <a:t>, Présentation</a:t>
+            </a:r>
+          </a:p>
+          <a:p>
+            <a:r>
+              <a:rPr lang="fr-FR" dirty="0"/>
+              <a:t>Alexis : Tests, </a:t>
+            </a:r>
+            <a:r>
+              <a:rPr lang="fr-FR" dirty="0" err="1"/>
+              <a:t>EmploiDuTemps</a:t>
+            </a:r>
+            <a:r>
+              <a:rPr lang="fr-FR" dirty="0"/>
+              <a:t>, </a:t>
+            </a:r>
+            <a:r>
+              <a:rPr lang="fr-FR" dirty="0"/>
+              <a:t>Année, Présentation</a:t>
+            </a:r>
+            <a:endParaRPr lang="fr-FR" dirty="0"/>
+          </a:p>
+          <a:p>
+            <a:r>
+              <a:rPr lang="fr-FR" dirty="0"/>
+              <a:t>Jean-Philippe : Afficheurs, Semaine, Journée , </a:t>
+            </a:r>
+            <a:r>
+              <a:rPr lang="fr-FR" dirty="0" err="1"/>
+              <a:t>Doxygen</a:t>
+            </a:r>
+            <a:r>
+              <a:rPr lang="fr-FR" dirty="0"/>
+              <a:t>, Présentation</a:t>
+            </a:r>
+          </a:p>
+          <a:p>
+            <a:r>
+              <a:rPr lang="fr-FR" dirty="0"/>
+              <a:t>Romain : Test, </a:t>
+            </a:r>
+            <a:r>
+              <a:rPr lang="fr-FR" dirty="0" err="1"/>
+              <a:t>EmploiDuTemps</a:t>
+            </a:r>
+            <a:r>
+              <a:rPr lang="fr-FR" dirty="0"/>
+              <a:t>, Cours, </a:t>
+            </a:r>
+            <a:r>
+              <a:rPr lang="fr-FR" dirty="0" err="1"/>
+              <a:t>Doxygen</a:t>
+            </a:r>
+            <a:r>
+              <a:rPr lang="fr-FR" dirty="0"/>
+              <a:t>, Présentation</a:t>
+            </a:r>
+          </a:p>
+        </p:txBody>
+      </p:sp>
+      <p:sp>
+        <p:nvSpPr>
+          <p:cNvPr id="4" name="Espace réservé du numéro de diapositive 3"/>
+          <p:cNvSpPr>
+            <a:spLocks noGrp="1"/>
+          </p:cNvSpPr>
+          <p:nvPr>
+            <p:ph type="sldNum" sz="quarter" idx="12"/>
+          </p:nvPr>
+        </p:nvSpPr>
+        <p:spPr/>
+        <p:txBody>
+          <a:bodyPr/>
+          <a:lstStyle/>
+          <a:p>
+            <a:fld id="{D57F1E4F-1CFF-5643-939E-217C01CDF565}" type="slidenum">
+              <a:rPr lang="en-US" smtClean="0"/>
+              <a:pPr/>
+              <a:t>14</a:t>
+            </a:fld>
+            <a:endParaRPr lang="en-US" dirty="0"/>
+          </a:p>
+        </p:txBody>
+      </p:sp>
+    </p:spTree>
+    <p:extLst>
+      <p:ext uri="{BB962C8B-B14F-4D97-AF65-F5344CB8AC3E}">
+        <p14:creationId xmlns:p14="http://schemas.microsoft.com/office/powerpoint/2010/main" val="2112166669"/>
+      </p:ext>
+    </p:extLst>
+  </p:cSld>
+  <p:clrMapOvr>
+    <a:masterClrMapping/>
+  </p:clrMapOvr>
+</p:sld>
+</file>
+
+<file path=ppt/slides/slide15.xml><?xml version="1.0" encoding="utf-8"?>
+<p:sld xmlns:a="http://schemas.openxmlformats.org/drawingml/2006/main" xmlns:r="http://schemas.openxmlformats.org/officeDocument/2006/relationships" xmlns:p="http://schemas.openxmlformats.org/presentationml/2006/main">
+  <p:cSld>
+    <p:spTree>
+      <p:nvGrpSpPr>
+        <p:cNvPr id="1" name=""/>
+        <p:cNvGrpSpPr/>
+        <p:nvPr/>
+      </p:nvGrpSpPr>
+      <p:grpSpPr>
+        <a:xfrm>
+          <a:off x="0" y="0"/>
+          <a:ext cx="0" cy="0"/>
+          <a:chOff x="0" y="0"/>
+          <a:chExt cx="0" cy="0"/>
+        </a:xfrm>
+      </p:grpSpPr>
+      <p:sp>
+        <p:nvSpPr>
+          <p:cNvPr id="2" name="Titre 1"/>
+          <p:cNvSpPr>
+            <a:spLocks noGrp="1"/>
+          </p:cNvSpPr>
+          <p:nvPr>
+            <p:ph type="title"/>
+          </p:nvPr>
+        </p:nvSpPr>
+        <p:spPr>
+          <a:xfrm>
             <a:off x="1941511" y="39300"/>
             <a:ext cx="10018713" cy="1752599"/>
           </a:xfrm>
@@ -7295,7 +8566,7 @@
             <a:fld id="{D57F1E4F-1CFF-5643-939E-217C01CDF565}" type="slidenum">
               <a:rPr lang="en-US" smtClean="0"/>
               <a:pPr/>
-              <a:t>14</a:t>
+              <a:t>15</a:t>
             </a:fld>
             <a:endParaRPr lang="en-US" dirty="0"/>
           </a:p>
@@ -7499,7 +8770,7 @@
 </p:sld>
 </file>
 
-<file path=ppt/slides/slide15.xml><?xml version="1.0" encoding="utf-8"?>
+<file path=ppt/slides/slide16.xml><?xml version="1.0" encoding="utf-8"?>
 <p:sld xmlns:a="http://schemas.openxmlformats.org/drawingml/2006/main" xmlns:r="http://schemas.openxmlformats.org/officeDocument/2006/relationships" xmlns:p="http://schemas.openxmlformats.org/presentationml/2006/main">
   <p:cSld>
     <p:spTree>
@@ -7549,7 +8820,12 @@
             <p:ph idx="1"/>
           </p:nvPr>
         </p:nvSpPr>
-        <p:spPr/>
+        <p:spPr>
+          <a:xfrm>
+            <a:off x="1922192" y="2590664"/>
+            <a:ext cx="10018713" cy="3124201"/>
+          </a:xfrm>
+        </p:spPr>
         <p:txBody>
           <a:bodyPr/>
           <a:lstStyle/>
@@ -7560,10 +8836,16 @@
             </a:r>
           </a:p>
           <a:p>
+            <a:endParaRPr lang="fr-FR" dirty="0"/>
+          </a:p>
+          <a:p>
             <a:r>
               <a:rPr lang="fr-FR" dirty="0"/>
               <a:t>… mais un code qui aurait pu être plus travaillé</a:t>
             </a:r>
+          </a:p>
+          <a:p>
+            <a:endParaRPr lang="fr-FR" dirty="0"/>
           </a:p>
           <a:p>
             <a:r>
@@ -7594,7 +8876,7 @@
             <a:fld id="{D57F1E4F-1CFF-5643-939E-217C01CDF565}" type="slidenum">
               <a:rPr lang="en-US" smtClean="0"/>
               <a:pPr/>
-              <a:t>15</a:t>
+              <a:t>16</a:t>
             </a:fld>
             <a:endParaRPr lang="en-US" dirty="0"/>
           </a:p>
@@ -7610,6 +8892,234 @@
   <p:clrMapOvr>
     <a:masterClrMapping/>
   </p:clrMapOvr>
+  <mc:AlternateContent xmlns:mc="http://schemas.openxmlformats.org/markup-compatibility/2006">
+    <mc:Choice xmlns:p14="http://schemas.microsoft.com/office/powerpoint/2010/main" Requires="p14">
+      <p:transition spd="med" p14:dur="700">
+        <p:fade/>
+      </p:transition>
+    </mc:Choice>
+    <mc:Fallback>
+      <p:transition spd="med">
+        <p:fade/>
+      </p:transition>
+    </mc:Fallback>
+  </mc:AlternateContent>
+  <p:timing>
+    <p:tnLst>
+      <p:par>
+        <p:cTn id="1" dur="indefinite" restart="never" nodeType="tmRoot">
+          <p:childTnLst>
+            <p:seq concurrent="1" nextAc="seek">
+              <p:cTn id="2" dur="indefinite" nodeType="mainSeq">
+                <p:childTnLst>
+                  <p:par>
+                    <p:cTn id="3" fill="hold">
+                      <p:stCondLst>
+                        <p:cond delay="indefinite"/>
+                      </p:stCondLst>
+                      <p:childTnLst>
+                        <p:par>
+                          <p:cTn id="4" fill="hold">
+                            <p:stCondLst>
+                              <p:cond delay="0"/>
+                            </p:stCondLst>
+                            <p:childTnLst>
+                              <p:par>
+                                <p:cTn id="5" presetID="10" presetClass="entr" presetSubtype="0" fill="hold" grpId="0" nodeType="clickEffect">
+                                  <p:stCondLst>
+                                    <p:cond delay="0"/>
+                                  </p:stCondLst>
+                                  <p:childTnLst>
+                                    <p:set>
+                                      <p:cBhvr>
+                                        <p:cTn id="6" dur="1" fill="hold">
+                                          <p:stCondLst>
+                                            <p:cond delay="0"/>
+                                          </p:stCondLst>
+                                        </p:cTn>
+                                        <p:tgtEl>
+                                          <p:spTgt spid="3">
+                                            <p:txEl>
+                                              <p:pRg st="0" end="0"/>
+                                            </p:txEl>
+                                          </p:spTgt>
+                                        </p:tgtEl>
+                                        <p:attrNameLst>
+                                          <p:attrName>style.visibility</p:attrName>
+                                        </p:attrNameLst>
+                                      </p:cBhvr>
+                                      <p:to>
+                                        <p:strVal val="visible"/>
+                                      </p:to>
+                                    </p:set>
+                                    <p:animEffect transition="in" filter="fade">
+                                      <p:cBhvr>
+                                        <p:cTn id="7" dur="500"/>
+                                        <p:tgtEl>
+                                          <p:spTgt spid="3">
+                                            <p:txEl>
+                                              <p:pRg st="0" end="0"/>
+                                            </p:txEl>
+                                          </p:spTgt>
+                                        </p:tgtEl>
+                                      </p:cBhvr>
+                                    </p:animEffect>
+                                  </p:childTnLst>
+                                </p:cTn>
+                              </p:par>
+                            </p:childTnLst>
+                          </p:cTn>
+                        </p:par>
+                      </p:childTnLst>
+                    </p:cTn>
+                  </p:par>
+                  <p:par>
+                    <p:cTn id="8" fill="hold">
+                      <p:stCondLst>
+                        <p:cond delay="indefinite"/>
+                      </p:stCondLst>
+                      <p:childTnLst>
+                        <p:par>
+                          <p:cTn id="9" fill="hold">
+                            <p:stCondLst>
+                              <p:cond delay="0"/>
+                            </p:stCondLst>
+                            <p:childTnLst>
+                              <p:par>
+                                <p:cTn id="10" presetID="10" presetClass="entr" presetSubtype="0" fill="hold" grpId="0" nodeType="clickEffect">
+                                  <p:stCondLst>
+                                    <p:cond delay="0"/>
+                                  </p:stCondLst>
+                                  <p:childTnLst>
+                                    <p:set>
+                                      <p:cBhvr>
+                                        <p:cTn id="11" dur="1" fill="hold">
+                                          <p:stCondLst>
+                                            <p:cond delay="0"/>
+                                          </p:stCondLst>
+                                        </p:cTn>
+                                        <p:tgtEl>
+                                          <p:spTgt spid="3">
+                                            <p:txEl>
+                                              <p:pRg st="2" end="2"/>
+                                            </p:txEl>
+                                          </p:spTgt>
+                                        </p:tgtEl>
+                                        <p:attrNameLst>
+                                          <p:attrName>style.visibility</p:attrName>
+                                        </p:attrNameLst>
+                                      </p:cBhvr>
+                                      <p:to>
+                                        <p:strVal val="visible"/>
+                                      </p:to>
+                                    </p:set>
+                                    <p:animEffect transition="in" filter="fade">
+                                      <p:cBhvr>
+                                        <p:cTn id="12" dur="500"/>
+                                        <p:tgtEl>
+                                          <p:spTgt spid="3">
+                                            <p:txEl>
+                                              <p:pRg st="2" end="2"/>
+                                            </p:txEl>
+                                          </p:spTgt>
+                                        </p:tgtEl>
+                                      </p:cBhvr>
+                                    </p:animEffect>
+                                  </p:childTnLst>
+                                </p:cTn>
+                              </p:par>
+                            </p:childTnLst>
+                          </p:cTn>
+                        </p:par>
+                      </p:childTnLst>
+                    </p:cTn>
+                  </p:par>
+                  <p:par>
+                    <p:cTn id="13" fill="hold">
+                      <p:stCondLst>
+                        <p:cond delay="indefinite"/>
+                      </p:stCondLst>
+                      <p:childTnLst>
+                        <p:par>
+                          <p:cTn id="14" fill="hold">
+                            <p:stCondLst>
+                              <p:cond delay="0"/>
+                            </p:stCondLst>
+                            <p:childTnLst>
+                              <p:par>
+                                <p:cTn id="15" presetID="10" presetClass="entr" presetSubtype="0" fill="hold" grpId="0" nodeType="clickEffect">
+                                  <p:stCondLst>
+                                    <p:cond delay="0"/>
+                                  </p:stCondLst>
+                                  <p:childTnLst>
+                                    <p:set>
+                                      <p:cBhvr>
+                                        <p:cTn id="16" dur="1" fill="hold">
+                                          <p:stCondLst>
+                                            <p:cond delay="0"/>
+                                          </p:stCondLst>
+                                        </p:cTn>
+                                        <p:tgtEl>
+                                          <p:spTgt spid="3">
+                                            <p:txEl>
+                                              <p:pRg st="4" end="4"/>
+                                            </p:txEl>
+                                          </p:spTgt>
+                                        </p:tgtEl>
+                                        <p:attrNameLst>
+                                          <p:attrName>style.visibility</p:attrName>
+                                        </p:attrNameLst>
+                                      </p:cBhvr>
+                                      <p:to>
+                                        <p:strVal val="visible"/>
+                                      </p:to>
+                                    </p:set>
+                                    <p:animEffect transition="in" filter="fade">
+                                      <p:cBhvr>
+                                        <p:cTn id="17" dur="500"/>
+                                        <p:tgtEl>
+                                          <p:spTgt spid="3">
+                                            <p:txEl>
+                                              <p:pRg st="4" end="4"/>
+                                            </p:txEl>
+                                          </p:spTgt>
+                                        </p:tgtEl>
+                                      </p:cBhvr>
+                                    </p:animEffect>
+                                  </p:childTnLst>
+                                </p:cTn>
+                              </p:par>
+                            </p:childTnLst>
+                          </p:cTn>
+                        </p:par>
+                      </p:childTnLst>
+                    </p:cTn>
+                  </p:par>
+                </p:childTnLst>
+              </p:cTn>
+              <p:prevCondLst>
+                <p:cond evt="onPrev" delay="0">
+                  <p:tgtEl>
+                    <p:sldTgt/>
+                  </p:tgtEl>
+                </p:cond>
+              </p:prevCondLst>
+              <p:nextCondLst>
+                <p:cond evt="onNext" delay="0">
+                  <p:tgtEl>
+                    <p:sldTgt/>
+                  </p:tgtEl>
+                </p:cond>
+              </p:nextCondLst>
+            </p:seq>
+          </p:childTnLst>
+        </p:cTn>
+      </p:par>
+    </p:tnLst>
+    <p:bldLst>
+      <p:bldP spid="3" grpId="0" build="p"/>
+    </p:bldLst>
+  </p:timing>
 </p:sld>
 </file>
 
@@ -7786,7 +9296,12 @@
             <p:ph type="title"/>
           </p:nvPr>
         </p:nvSpPr>
-        <p:spPr/>
+        <p:spPr>
+          <a:xfrm>
+            <a:off x="1960829" y="222161"/>
+            <a:ext cx="10018713" cy="1752599"/>
+          </a:xfrm>
+        </p:spPr>
         <p:txBody>
           <a:bodyPr/>
           <a:lstStyle/>
@@ -7890,6 +9405,344 @@
   <p:clrMapOvr>
     <a:masterClrMapping/>
   </p:clrMapOvr>
+  <p:timing>
+    <p:tnLst>
+      <p:par>
+        <p:cTn id="1" dur="indefinite" restart="never" nodeType="tmRoot">
+          <p:childTnLst>
+            <p:seq concurrent="1" nextAc="seek">
+              <p:cTn id="2" dur="indefinite" nodeType="mainSeq">
+                <p:childTnLst>
+                  <p:par>
+                    <p:cTn id="3" fill="hold">
+                      <p:stCondLst>
+                        <p:cond delay="indefinite"/>
+                      </p:stCondLst>
+                      <p:childTnLst>
+                        <p:par>
+                          <p:cTn id="4" fill="hold">
+                            <p:stCondLst>
+                              <p:cond delay="0"/>
+                            </p:stCondLst>
+                            <p:childTnLst>
+                              <p:par>
+                                <p:cTn id="5" presetID="10" presetClass="entr" presetSubtype="0" fill="hold" grpId="0" nodeType="clickEffect">
+                                  <p:stCondLst>
+                                    <p:cond delay="0"/>
+                                  </p:stCondLst>
+                                  <p:childTnLst>
+                                    <p:set>
+                                      <p:cBhvr>
+                                        <p:cTn id="6" dur="1" fill="hold">
+                                          <p:stCondLst>
+                                            <p:cond delay="0"/>
+                                          </p:stCondLst>
+                                        </p:cTn>
+                                        <p:tgtEl>
+                                          <p:spTgt spid="3">
+                                            <p:txEl>
+                                              <p:pRg st="0" end="0"/>
+                                            </p:txEl>
+                                          </p:spTgt>
+                                        </p:tgtEl>
+                                        <p:attrNameLst>
+                                          <p:attrName>style.visibility</p:attrName>
+                                        </p:attrNameLst>
+                                      </p:cBhvr>
+                                      <p:to>
+                                        <p:strVal val="visible"/>
+                                      </p:to>
+                                    </p:set>
+                                    <p:animEffect transition="in" filter="fade">
+                                      <p:cBhvr>
+                                        <p:cTn id="7" dur="500"/>
+                                        <p:tgtEl>
+                                          <p:spTgt spid="3">
+                                            <p:txEl>
+                                              <p:pRg st="0" end="0"/>
+                                            </p:txEl>
+                                          </p:spTgt>
+                                        </p:tgtEl>
+                                      </p:cBhvr>
+                                    </p:animEffect>
+                                  </p:childTnLst>
+                                </p:cTn>
+                              </p:par>
+                            </p:childTnLst>
+                          </p:cTn>
+                        </p:par>
+                      </p:childTnLst>
+                    </p:cTn>
+                  </p:par>
+                  <p:par>
+                    <p:cTn id="8" fill="hold">
+                      <p:stCondLst>
+                        <p:cond delay="indefinite"/>
+                      </p:stCondLst>
+                      <p:childTnLst>
+                        <p:par>
+                          <p:cTn id="9" fill="hold">
+                            <p:stCondLst>
+                              <p:cond delay="0"/>
+                            </p:stCondLst>
+                            <p:childTnLst>
+                              <p:par>
+                                <p:cTn id="10" presetID="10" presetClass="entr" presetSubtype="0" fill="hold" grpId="0" nodeType="clickEffect">
+                                  <p:stCondLst>
+                                    <p:cond delay="0"/>
+                                  </p:stCondLst>
+                                  <p:childTnLst>
+                                    <p:set>
+                                      <p:cBhvr>
+                                        <p:cTn id="11" dur="1" fill="hold">
+                                          <p:stCondLst>
+                                            <p:cond delay="0"/>
+                                          </p:stCondLst>
+                                        </p:cTn>
+                                        <p:tgtEl>
+                                          <p:spTgt spid="3">
+                                            <p:txEl>
+                                              <p:pRg st="2" end="2"/>
+                                            </p:txEl>
+                                          </p:spTgt>
+                                        </p:tgtEl>
+                                        <p:attrNameLst>
+                                          <p:attrName>style.visibility</p:attrName>
+                                        </p:attrNameLst>
+                                      </p:cBhvr>
+                                      <p:to>
+                                        <p:strVal val="visible"/>
+                                      </p:to>
+                                    </p:set>
+                                    <p:animEffect transition="in" filter="fade">
+                                      <p:cBhvr>
+                                        <p:cTn id="12" dur="500"/>
+                                        <p:tgtEl>
+                                          <p:spTgt spid="3">
+                                            <p:txEl>
+                                              <p:pRg st="2" end="2"/>
+                                            </p:txEl>
+                                          </p:spTgt>
+                                        </p:tgtEl>
+                                      </p:cBhvr>
+                                    </p:animEffect>
+                                  </p:childTnLst>
+                                </p:cTn>
+                              </p:par>
+                            </p:childTnLst>
+                          </p:cTn>
+                        </p:par>
+                      </p:childTnLst>
+                    </p:cTn>
+                  </p:par>
+                  <p:par>
+                    <p:cTn id="13" fill="hold">
+                      <p:stCondLst>
+                        <p:cond delay="indefinite"/>
+                      </p:stCondLst>
+                      <p:childTnLst>
+                        <p:par>
+                          <p:cTn id="14" fill="hold">
+                            <p:stCondLst>
+                              <p:cond delay="0"/>
+                            </p:stCondLst>
+                            <p:childTnLst>
+                              <p:par>
+                                <p:cTn id="15" presetID="10" presetClass="entr" presetSubtype="0" fill="hold" grpId="0" nodeType="clickEffect">
+                                  <p:stCondLst>
+                                    <p:cond delay="0"/>
+                                  </p:stCondLst>
+                                  <p:childTnLst>
+                                    <p:set>
+                                      <p:cBhvr>
+                                        <p:cTn id="16" dur="1" fill="hold">
+                                          <p:stCondLst>
+                                            <p:cond delay="0"/>
+                                          </p:stCondLst>
+                                        </p:cTn>
+                                        <p:tgtEl>
+                                          <p:spTgt spid="3">
+                                            <p:txEl>
+                                              <p:pRg st="3" end="3"/>
+                                            </p:txEl>
+                                          </p:spTgt>
+                                        </p:tgtEl>
+                                        <p:attrNameLst>
+                                          <p:attrName>style.visibility</p:attrName>
+                                        </p:attrNameLst>
+                                      </p:cBhvr>
+                                      <p:to>
+                                        <p:strVal val="visible"/>
+                                      </p:to>
+                                    </p:set>
+                                    <p:animEffect transition="in" filter="fade">
+                                      <p:cBhvr>
+                                        <p:cTn id="17" dur="500"/>
+                                        <p:tgtEl>
+                                          <p:spTgt spid="3">
+                                            <p:txEl>
+                                              <p:pRg st="3" end="3"/>
+                                            </p:txEl>
+                                          </p:spTgt>
+                                        </p:tgtEl>
+                                      </p:cBhvr>
+                                    </p:animEffect>
+                                  </p:childTnLst>
+                                </p:cTn>
+                              </p:par>
+                            </p:childTnLst>
+                          </p:cTn>
+                        </p:par>
+                      </p:childTnLst>
+                    </p:cTn>
+                  </p:par>
+                  <p:par>
+                    <p:cTn id="18" fill="hold">
+                      <p:stCondLst>
+                        <p:cond delay="indefinite"/>
+                      </p:stCondLst>
+                      <p:childTnLst>
+                        <p:par>
+                          <p:cTn id="19" fill="hold">
+                            <p:stCondLst>
+                              <p:cond delay="0"/>
+                            </p:stCondLst>
+                            <p:childTnLst>
+                              <p:par>
+                                <p:cTn id="20" presetID="10" presetClass="entr" presetSubtype="0" fill="hold" grpId="0" nodeType="clickEffect">
+                                  <p:stCondLst>
+                                    <p:cond delay="0"/>
+                                  </p:stCondLst>
+                                  <p:childTnLst>
+                                    <p:set>
+                                      <p:cBhvr>
+                                        <p:cTn id="21" dur="1" fill="hold">
+                                          <p:stCondLst>
+                                            <p:cond delay="0"/>
+                                          </p:stCondLst>
+                                        </p:cTn>
+                                        <p:tgtEl>
+                                          <p:spTgt spid="3">
+                                            <p:txEl>
+                                              <p:pRg st="4" end="4"/>
+                                            </p:txEl>
+                                          </p:spTgt>
+                                        </p:tgtEl>
+                                        <p:attrNameLst>
+                                          <p:attrName>style.visibility</p:attrName>
+                                        </p:attrNameLst>
+                                      </p:cBhvr>
+                                      <p:to>
+                                        <p:strVal val="visible"/>
+                                      </p:to>
+                                    </p:set>
+                                    <p:animEffect transition="in" filter="fade">
+                                      <p:cBhvr>
+                                        <p:cTn id="22" dur="500"/>
+                                        <p:tgtEl>
+                                          <p:spTgt spid="3">
+                                            <p:txEl>
+                                              <p:pRg st="4" end="4"/>
+                                            </p:txEl>
+                                          </p:spTgt>
+                                        </p:tgtEl>
+                                      </p:cBhvr>
+                                    </p:animEffect>
+                                  </p:childTnLst>
+                                </p:cTn>
+                              </p:par>
+                            </p:childTnLst>
+                          </p:cTn>
+                        </p:par>
+                      </p:childTnLst>
+                    </p:cTn>
+                  </p:par>
+                  <p:par>
+                    <p:cTn id="23" fill="hold">
+                      <p:stCondLst>
+                        <p:cond delay="indefinite"/>
+                      </p:stCondLst>
+                      <p:childTnLst>
+                        <p:par>
+                          <p:cTn id="24" fill="hold">
+                            <p:stCondLst>
+                              <p:cond delay="0"/>
+                            </p:stCondLst>
+                            <p:childTnLst>
+                              <p:par>
+                                <p:cTn id="25" presetID="10" presetClass="entr" presetSubtype="0" fill="hold" grpId="0" nodeType="clickEffect">
+                                  <p:stCondLst>
+                                    <p:cond delay="0"/>
+                                  </p:stCondLst>
+                                  <p:childTnLst>
+                                    <p:set>
+                                      <p:cBhvr>
+                                        <p:cTn id="26" dur="1" fill="hold">
+                                          <p:stCondLst>
+                                            <p:cond delay="0"/>
+                                          </p:stCondLst>
+                                        </p:cTn>
+                                        <p:tgtEl>
+                                          <p:spTgt spid="3">
+                                            <p:txEl>
+                                              <p:pRg st="5" end="5"/>
+                                            </p:txEl>
+                                          </p:spTgt>
+                                        </p:tgtEl>
+                                        <p:attrNameLst>
+                                          <p:attrName>style.visibility</p:attrName>
+                                        </p:attrNameLst>
+                                      </p:cBhvr>
+                                      <p:to>
+                                        <p:strVal val="visible"/>
+                                      </p:to>
+                                    </p:set>
+                                    <p:animEffect transition="in" filter="fade">
+                                      <p:cBhvr>
+                                        <p:cTn id="27" dur="500"/>
+                                        <p:tgtEl>
+                                          <p:spTgt spid="3">
+                                            <p:txEl>
+                                              <p:pRg st="5" end="5"/>
+                                            </p:txEl>
+                                          </p:spTgt>
+                                        </p:tgtEl>
+                                      </p:cBhvr>
+                                    </p:animEffect>
+                                  </p:childTnLst>
+                                </p:cTn>
+                              </p:par>
+                            </p:childTnLst>
+                          </p:cTn>
+                        </p:par>
+                      </p:childTnLst>
+                    </p:cTn>
+                  </p:par>
+                </p:childTnLst>
+              </p:cTn>
+              <p:prevCondLst>
+                <p:cond evt="onPrev" delay="0">
+                  <p:tgtEl>
+                    <p:sldTgt/>
+                  </p:tgtEl>
+                </p:cond>
+              </p:prevCondLst>
+              <p:nextCondLst>
+                <p:cond evt="onNext" delay="0">
+                  <p:tgtEl>
+                    <p:sldTgt/>
+                  </p:tgtEl>
+                </p:cond>
+              </p:nextCondLst>
+            </p:seq>
+          </p:childTnLst>
+        </p:cTn>
+      </p:par>
+    </p:tnLst>
+    <p:bldLst>
+      <p:bldP spid="3" grpId="0" uiExpand="1" build="p"/>
+    </p:bldLst>
+  </p:timing>
 </p:sld>
 </file>
 
@@ -8033,15 +9886,7 @@
               <a:srgbClr val="FFFFFF"/>
             </a:contourClr>
           </a:sp3d>
-          <a:extLst>
-            <a:ext uri="{909E8E84-426E-40DD-AFC4-6F175D3DCCD1}">
-              <a14:hiddenFill xmlns:a14="http://schemas.microsoft.com/office/drawing/2010/main">
-                <a:solidFill>
-                  <a:srgbClr val="FFFFFF"/>
-                </a:solidFill>
-              </a14:hiddenFill>
-            </a:ext>
-          </a:extLst>
+          <a:extLst/>
         </p:spPr>
       </p:pic>
     </p:spTree>
@@ -8132,7 +9977,7 @@
         </p:spPr>
         <p:txBody>
           <a:bodyPr>
-            <a:normAutofit/>
+            <a:normAutofit lnSpcReduction="10000"/>
           </a:bodyPr>
           <a:lstStyle/>
           <a:p>
@@ -8148,7 +9993,16 @@
             <a:pPr lvl="1"/>
             <a:r>
               <a:rPr lang="fr-FR" sz="2400" dirty="0"/>
-              <a:t>Qui contient un tableau de filière ..</a:t>
+              <a:t>Qui contient un tableau de filière, </a:t>
+            </a:r>
+          </a:p>
+          <a:p>
+            <a:pPr marL="457200" lvl="1" indent="0">
+              <a:buNone/>
+            </a:pPr>
+            <a:r>
+              <a:rPr lang="fr-FR" sz="2400" dirty="0"/>
+              <a:t>	les listes des profs et des salles, et l’afficheur</a:t>
             </a:r>
           </a:p>
           <a:p>
@@ -8159,7 +10013,7 @@
             <a:pPr lvl="2"/>
             <a:r>
               <a:rPr lang="fr-FR" sz="2400" dirty="0"/>
-              <a:t>Qui contient chacune une année ..</a:t>
+              <a:t>Chaque filière contient chacune une année ..</a:t>
             </a:r>
           </a:p>
           <a:p>
@@ -8212,6 +10066,326 @@
   <p:clrMapOvr>
     <a:masterClrMapping/>
   </p:clrMapOvr>
+  <p:timing>
+    <p:tnLst>
+      <p:par>
+        <p:cTn id="1" dur="indefinite" restart="never" nodeType="tmRoot">
+          <p:childTnLst>
+            <p:seq concurrent="1" nextAc="seek">
+              <p:cTn id="2" dur="indefinite" nodeType="mainSeq">
+                <p:childTnLst>
+                  <p:par>
+                    <p:cTn id="3" fill="hold">
+                      <p:stCondLst>
+                        <p:cond delay="indefinite"/>
+                      </p:stCondLst>
+                      <p:childTnLst>
+                        <p:par>
+                          <p:cTn id="4" fill="hold">
+                            <p:stCondLst>
+                              <p:cond delay="0"/>
+                            </p:stCondLst>
+                            <p:childTnLst>
+                              <p:par>
+                                <p:cTn id="5" presetID="10" presetClass="entr" presetSubtype="0" fill="hold" grpId="0" nodeType="clickEffect">
+                                  <p:stCondLst>
+                                    <p:cond delay="0"/>
+                                  </p:stCondLst>
+                                  <p:childTnLst>
+                                    <p:set>
+                                      <p:cBhvr>
+                                        <p:cTn id="6" dur="1" fill="hold">
+                                          <p:stCondLst>
+                                            <p:cond delay="0"/>
+                                          </p:stCondLst>
+                                        </p:cTn>
+                                        <p:tgtEl>
+                                          <p:spTgt spid="3">
+                                            <p:txEl>
+                                              <p:pRg st="0" end="0"/>
+                                            </p:txEl>
+                                          </p:spTgt>
+                                        </p:tgtEl>
+                                        <p:attrNameLst>
+                                          <p:attrName>style.visibility</p:attrName>
+                                        </p:attrNameLst>
+                                      </p:cBhvr>
+                                      <p:to>
+                                        <p:strVal val="visible"/>
+                                      </p:to>
+                                    </p:set>
+                                    <p:animEffect transition="in" filter="fade">
+                                      <p:cBhvr>
+                                        <p:cTn id="7" dur="500"/>
+                                        <p:tgtEl>
+                                          <p:spTgt spid="3">
+                                            <p:txEl>
+                                              <p:pRg st="0" end="0"/>
+                                            </p:txEl>
+                                          </p:spTgt>
+                                        </p:tgtEl>
+                                      </p:cBhvr>
+                                    </p:animEffect>
+                                  </p:childTnLst>
+                                </p:cTn>
+                              </p:par>
+                            </p:childTnLst>
+                          </p:cTn>
+                        </p:par>
+                      </p:childTnLst>
+                    </p:cTn>
+                  </p:par>
+                  <p:par>
+                    <p:cTn id="8" fill="hold">
+                      <p:stCondLst>
+                        <p:cond delay="indefinite"/>
+                      </p:stCondLst>
+                      <p:childTnLst>
+                        <p:par>
+                          <p:cTn id="9" fill="hold">
+                            <p:stCondLst>
+                              <p:cond delay="0"/>
+                            </p:stCondLst>
+                            <p:childTnLst>
+                              <p:par>
+                                <p:cTn id="10" presetID="10" presetClass="entr" presetSubtype="0" fill="hold" grpId="0" nodeType="clickEffect">
+                                  <p:stCondLst>
+                                    <p:cond delay="0"/>
+                                  </p:stCondLst>
+                                  <p:childTnLst>
+                                    <p:set>
+                                      <p:cBhvr>
+                                        <p:cTn id="11" dur="1" fill="hold">
+                                          <p:stCondLst>
+                                            <p:cond delay="0"/>
+                                          </p:stCondLst>
+                                        </p:cTn>
+                                        <p:tgtEl>
+                                          <p:spTgt spid="3">
+                                            <p:txEl>
+                                              <p:pRg st="2" end="2"/>
+                                            </p:txEl>
+                                          </p:spTgt>
+                                        </p:tgtEl>
+                                        <p:attrNameLst>
+                                          <p:attrName>style.visibility</p:attrName>
+                                        </p:attrNameLst>
+                                      </p:cBhvr>
+                                      <p:to>
+                                        <p:strVal val="visible"/>
+                                      </p:to>
+                                    </p:set>
+                                    <p:animEffect transition="in" filter="fade">
+                                      <p:cBhvr>
+                                        <p:cTn id="12" dur="500"/>
+                                        <p:tgtEl>
+                                          <p:spTgt spid="3">
+                                            <p:txEl>
+                                              <p:pRg st="2" end="2"/>
+                                            </p:txEl>
+                                          </p:spTgt>
+                                        </p:tgtEl>
+                                      </p:cBhvr>
+                                    </p:animEffect>
+                                  </p:childTnLst>
+                                </p:cTn>
+                              </p:par>
+                              <p:par>
+                                <p:cTn id="13" presetID="10" presetClass="entr" presetSubtype="0" fill="hold" grpId="0" nodeType="withEffect">
+                                  <p:stCondLst>
+                                    <p:cond delay="0"/>
+                                  </p:stCondLst>
+                                  <p:childTnLst>
+                                    <p:set>
+                                      <p:cBhvr>
+                                        <p:cTn id="14" dur="1" fill="hold">
+                                          <p:stCondLst>
+                                            <p:cond delay="0"/>
+                                          </p:stCondLst>
+                                        </p:cTn>
+                                        <p:tgtEl>
+                                          <p:spTgt spid="3">
+                                            <p:txEl>
+                                              <p:pRg st="3" end="3"/>
+                                            </p:txEl>
+                                          </p:spTgt>
+                                        </p:tgtEl>
+                                        <p:attrNameLst>
+                                          <p:attrName>style.visibility</p:attrName>
+                                        </p:attrNameLst>
+                                      </p:cBhvr>
+                                      <p:to>
+                                        <p:strVal val="visible"/>
+                                      </p:to>
+                                    </p:set>
+                                    <p:animEffect transition="in" filter="fade">
+                                      <p:cBhvr>
+                                        <p:cTn id="15" dur="500"/>
+                                        <p:tgtEl>
+                                          <p:spTgt spid="3">
+                                            <p:txEl>
+                                              <p:pRg st="3" end="3"/>
+                                            </p:txEl>
+                                          </p:spTgt>
+                                        </p:tgtEl>
+                                      </p:cBhvr>
+                                    </p:animEffect>
+                                  </p:childTnLst>
+                                </p:cTn>
+                              </p:par>
+                            </p:childTnLst>
+                          </p:cTn>
+                        </p:par>
+                      </p:childTnLst>
+                    </p:cTn>
+                  </p:par>
+                  <p:par>
+                    <p:cTn id="16" fill="hold">
+                      <p:stCondLst>
+                        <p:cond delay="indefinite"/>
+                      </p:stCondLst>
+                      <p:childTnLst>
+                        <p:par>
+                          <p:cTn id="17" fill="hold">
+                            <p:stCondLst>
+                              <p:cond delay="0"/>
+                            </p:stCondLst>
+                            <p:childTnLst>
+                              <p:par>
+                                <p:cTn id="18" presetID="10" presetClass="entr" presetSubtype="0" fill="hold" grpId="0" nodeType="clickEffect">
+                                  <p:stCondLst>
+                                    <p:cond delay="0"/>
+                                  </p:stCondLst>
+                                  <p:childTnLst>
+                                    <p:set>
+                                      <p:cBhvr>
+                                        <p:cTn id="19" dur="1" fill="hold">
+                                          <p:stCondLst>
+                                            <p:cond delay="0"/>
+                                          </p:stCondLst>
+                                        </p:cTn>
+                                        <p:tgtEl>
+                                          <p:spTgt spid="3">
+                                            <p:txEl>
+                                              <p:pRg st="5" end="5"/>
+                                            </p:txEl>
+                                          </p:spTgt>
+                                        </p:tgtEl>
+                                        <p:attrNameLst>
+                                          <p:attrName>style.visibility</p:attrName>
+                                        </p:attrNameLst>
+                                      </p:cBhvr>
+                                      <p:to>
+                                        <p:strVal val="visible"/>
+                                      </p:to>
+                                    </p:set>
+                                    <p:animEffect transition="in" filter="fade">
+                                      <p:cBhvr>
+                                        <p:cTn id="20" dur="500"/>
+                                        <p:tgtEl>
+                                          <p:spTgt spid="3">
+                                            <p:txEl>
+                                              <p:pRg st="5" end="5"/>
+                                            </p:txEl>
+                                          </p:spTgt>
+                                        </p:tgtEl>
+                                      </p:cBhvr>
+                                    </p:animEffect>
+                                  </p:childTnLst>
+                                </p:cTn>
+                              </p:par>
+                            </p:childTnLst>
+                          </p:cTn>
+                        </p:par>
+                      </p:childTnLst>
+                    </p:cTn>
+                  </p:par>
+                  <p:par>
+                    <p:cTn id="21" fill="hold">
+                      <p:stCondLst>
+                        <p:cond delay="indefinite"/>
+                      </p:stCondLst>
+                      <p:childTnLst>
+                        <p:par>
+                          <p:cTn id="22" fill="hold">
+                            <p:stCondLst>
+                              <p:cond delay="0"/>
+                            </p:stCondLst>
+                            <p:childTnLst>
+                              <p:par>
+                                <p:cTn id="23" presetID="10" presetClass="entr" presetSubtype="0" fill="hold" grpId="0" nodeType="clickEffect">
+                                  <p:stCondLst>
+                                    <p:cond delay="0"/>
+                                  </p:stCondLst>
+                                  <p:childTnLst>
+                                    <p:set>
+                                      <p:cBhvr>
+                                        <p:cTn id="24" dur="1" fill="hold">
+                                          <p:stCondLst>
+                                            <p:cond delay="0"/>
+                                          </p:stCondLst>
+                                        </p:cTn>
+                                        <p:tgtEl>
+                                          <p:spTgt spid="3">
+                                            <p:txEl>
+                                              <p:pRg st="7" end="7"/>
+                                            </p:txEl>
+                                          </p:spTgt>
+                                        </p:tgtEl>
+                                        <p:attrNameLst>
+                                          <p:attrName>style.visibility</p:attrName>
+                                        </p:attrNameLst>
+                                      </p:cBhvr>
+                                      <p:to>
+                                        <p:strVal val="visible"/>
+                                      </p:to>
+                                    </p:set>
+                                    <p:animEffect transition="in" filter="fade">
+                                      <p:cBhvr>
+                                        <p:cTn id="25" dur="500"/>
+                                        <p:tgtEl>
+                                          <p:spTgt spid="3">
+                                            <p:txEl>
+                                              <p:pRg st="7" end="7"/>
+                                            </p:txEl>
+                                          </p:spTgt>
+                                        </p:tgtEl>
+                                      </p:cBhvr>
+                                    </p:animEffect>
+                                  </p:childTnLst>
+                                </p:cTn>
+                              </p:par>
+                            </p:childTnLst>
+                          </p:cTn>
+                        </p:par>
+                      </p:childTnLst>
+                    </p:cTn>
+                  </p:par>
+                </p:childTnLst>
+              </p:cTn>
+              <p:prevCondLst>
+                <p:cond evt="onPrev" delay="0">
+                  <p:tgtEl>
+                    <p:sldTgt/>
+                  </p:tgtEl>
+                </p:cond>
+              </p:prevCondLst>
+              <p:nextCondLst>
+                <p:cond evt="onNext" delay="0">
+                  <p:tgtEl>
+                    <p:sldTgt/>
+                  </p:tgtEl>
+                </p:cond>
+              </p:nextCondLst>
+            </p:seq>
+          </p:childTnLst>
+        </p:cTn>
+      </p:par>
+    </p:tnLst>
+    <p:bldLst>
+      <p:bldP spid="3" grpId="0" uiExpand="1" build="p"/>
+    </p:bldLst>
+  </p:timing>
 </p:sld>
 </file>
 
@@ -8408,6 +10582,308 @@
   <p:clrMapOvr>
     <a:masterClrMapping/>
   </p:clrMapOvr>
+  <p:timing>
+    <p:tnLst>
+      <p:par>
+        <p:cTn id="1" dur="indefinite" restart="never" nodeType="tmRoot">
+          <p:childTnLst>
+            <p:seq concurrent="1" nextAc="seek">
+              <p:cTn id="2" dur="indefinite" nodeType="mainSeq">
+                <p:childTnLst>
+                  <p:par>
+                    <p:cTn id="3" fill="hold">
+                      <p:stCondLst>
+                        <p:cond delay="indefinite"/>
+                      </p:stCondLst>
+                      <p:childTnLst>
+                        <p:par>
+                          <p:cTn id="4" fill="hold">
+                            <p:stCondLst>
+                              <p:cond delay="0"/>
+                            </p:stCondLst>
+                            <p:childTnLst>
+                              <p:par>
+                                <p:cTn id="5" presetID="10" presetClass="entr" presetSubtype="0" fill="hold" grpId="0" nodeType="clickEffect">
+                                  <p:stCondLst>
+                                    <p:cond delay="0"/>
+                                  </p:stCondLst>
+                                  <p:childTnLst>
+                                    <p:set>
+                                      <p:cBhvr>
+                                        <p:cTn id="6" dur="1" fill="hold">
+                                          <p:stCondLst>
+                                            <p:cond delay="0"/>
+                                          </p:stCondLst>
+                                        </p:cTn>
+                                        <p:tgtEl>
+                                          <p:spTgt spid="3">
+                                            <p:txEl>
+                                              <p:pRg st="0" end="0"/>
+                                            </p:txEl>
+                                          </p:spTgt>
+                                        </p:tgtEl>
+                                        <p:attrNameLst>
+                                          <p:attrName>style.visibility</p:attrName>
+                                        </p:attrNameLst>
+                                      </p:cBhvr>
+                                      <p:to>
+                                        <p:strVal val="visible"/>
+                                      </p:to>
+                                    </p:set>
+                                    <p:animEffect transition="in" filter="fade">
+                                      <p:cBhvr>
+                                        <p:cTn id="7" dur="500"/>
+                                        <p:tgtEl>
+                                          <p:spTgt spid="3">
+                                            <p:txEl>
+                                              <p:pRg st="0" end="0"/>
+                                            </p:txEl>
+                                          </p:spTgt>
+                                        </p:tgtEl>
+                                      </p:cBhvr>
+                                    </p:animEffect>
+                                  </p:childTnLst>
+                                </p:cTn>
+                              </p:par>
+                              <p:par>
+                                <p:cTn id="8" presetID="10" presetClass="entr" presetSubtype="0" fill="hold" grpId="0" nodeType="withEffect">
+                                  <p:stCondLst>
+                                    <p:cond delay="0"/>
+                                  </p:stCondLst>
+                                  <p:childTnLst>
+                                    <p:set>
+                                      <p:cBhvr>
+                                        <p:cTn id="9" dur="1" fill="hold">
+                                          <p:stCondLst>
+                                            <p:cond delay="0"/>
+                                          </p:stCondLst>
+                                        </p:cTn>
+                                        <p:tgtEl>
+                                          <p:spTgt spid="3">
+                                            <p:txEl>
+                                              <p:pRg st="1" end="1"/>
+                                            </p:txEl>
+                                          </p:spTgt>
+                                        </p:tgtEl>
+                                        <p:attrNameLst>
+                                          <p:attrName>style.visibility</p:attrName>
+                                        </p:attrNameLst>
+                                      </p:cBhvr>
+                                      <p:to>
+                                        <p:strVal val="visible"/>
+                                      </p:to>
+                                    </p:set>
+                                    <p:animEffect transition="in" filter="fade">
+                                      <p:cBhvr>
+                                        <p:cTn id="10" dur="500"/>
+                                        <p:tgtEl>
+                                          <p:spTgt spid="3">
+                                            <p:txEl>
+                                              <p:pRg st="1" end="1"/>
+                                            </p:txEl>
+                                          </p:spTgt>
+                                        </p:tgtEl>
+                                      </p:cBhvr>
+                                    </p:animEffect>
+                                  </p:childTnLst>
+                                </p:cTn>
+                              </p:par>
+                            </p:childTnLst>
+                          </p:cTn>
+                        </p:par>
+                      </p:childTnLst>
+                    </p:cTn>
+                  </p:par>
+                  <p:par>
+                    <p:cTn id="11" fill="hold">
+                      <p:stCondLst>
+                        <p:cond delay="indefinite"/>
+                      </p:stCondLst>
+                      <p:childTnLst>
+                        <p:par>
+                          <p:cTn id="12" fill="hold">
+                            <p:stCondLst>
+                              <p:cond delay="0"/>
+                            </p:stCondLst>
+                            <p:childTnLst>
+                              <p:par>
+                                <p:cTn id="13" presetID="10" presetClass="entr" presetSubtype="0" fill="hold" grpId="0" nodeType="clickEffect">
+                                  <p:stCondLst>
+                                    <p:cond delay="0"/>
+                                  </p:stCondLst>
+                                  <p:childTnLst>
+                                    <p:set>
+                                      <p:cBhvr>
+                                        <p:cTn id="14" dur="1" fill="hold">
+                                          <p:stCondLst>
+                                            <p:cond delay="0"/>
+                                          </p:stCondLst>
+                                        </p:cTn>
+                                        <p:tgtEl>
+                                          <p:spTgt spid="3">
+                                            <p:txEl>
+                                              <p:pRg st="3" end="3"/>
+                                            </p:txEl>
+                                          </p:spTgt>
+                                        </p:tgtEl>
+                                        <p:attrNameLst>
+                                          <p:attrName>style.visibility</p:attrName>
+                                        </p:attrNameLst>
+                                      </p:cBhvr>
+                                      <p:to>
+                                        <p:strVal val="visible"/>
+                                      </p:to>
+                                    </p:set>
+                                    <p:animEffect transition="in" filter="fade">
+                                      <p:cBhvr>
+                                        <p:cTn id="15" dur="500"/>
+                                        <p:tgtEl>
+                                          <p:spTgt spid="3">
+                                            <p:txEl>
+                                              <p:pRg st="3" end="3"/>
+                                            </p:txEl>
+                                          </p:spTgt>
+                                        </p:tgtEl>
+                                      </p:cBhvr>
+                                    </p:animEffect>
+                                  </p:childTnLst>
+                                </p:cTn>
+                              </p:par>
+                              <p:par>
+                                <p:cTn id="16" presetID="10" presetClass="entr" presetSubtype="0" fill="hold" grpId="0" nodeType="withEffect">
+                                  <p:stCondLst>
+                                    <p:cond delay="0"/>
+                                  </p:stCondLst>
+                                  <p:childTnLst>
+                                    <p:set>
+                                      <p:cBhvr>
+                                        <p:cTn id="17" dur="1" fill="hold">
+                                          <p:stCondLst>
+                                            <p:cond delay="0"/>
+                                          </p:stCondLst>
+                                        </p:cTn>
+                                        <p:tgtEl>
+                                          <p:spTgt spid="3">
+                                            <p:txEl>
+                                              <p:pRg st="4" end="4"/>
+                                            </p:txEl>
+                                          </p:spTgt>
+                                        </p:tgtEl>
+                                        <p:attrNameLst>
+                                          <p:attrName>style.visibility</p:attrName>
+                                        </p:attrNameLst>
+                                      </p:cBhvr>
+                                      <p:to>
+                                        <p:strVal val="visible"/>
+                                      </p:to>
+                                    </p:set>
+                                    <p:animEffect transition="in" filter="fade">
+                                      <p:cBhvr>
+                                        <p:cTn id="18" dur="500"/>
+                                        <p:tgtEl>
+                                          <p:spTgt spid="3">
+                                            <p:txEl>
+                                              <p:pRg st="4" end="4"/>
+                                            </p:txEl>
+                                          </p:spTgt>
+                                        </p:tgtEl>
+                                      </p:cBhvr>
+                                    </p:animEffect>
+                                  </p:childTnLst>
+                                </p:cTn>
+                              </p:par>
+                            </p:childTnLst>
+                          </p:cTn>
+                        </p:par>
+                      </p:childTnLst>
+                    </p:cTn>
+                  </p:par>
+                  <p:par>
+                    <p:cTn id="19" fill="hold">
+                      <p:stCondLst>
+                        <p:cond delay="indefinite"/>
+                      </p:stCondLst>
+                      <p:childTnLst>
+                        <p:par>
+                          <p:cTn id="20" fill="hold">
+                            <p:stCondLst>
+                              <p:cond delay="0"/>
+                            </p:stCondLst>
+                            <p:childTnLst>
+                              <p:par>
+                                <p:cTn id="21" presetID="10" presetClass="entr" presetSubtype="0" fill="hold" grpId="0" nodeType="clickEffect">
+                                  <p:stCondLst>
+                                    <p:cond delay="0"/>
+                                  </p:stCondLst>
+                                  <p:childTnLst>
+                                    <p:set>
+                                      <p:cBhvr>
+                                        <p:cTn id="22" dur="1" fill="hold">
+                                          <p:stCondLst>
+                                            <p:cond delay="0"/>
+                                          </p:stCondLst>
+                                        </p:cTn>
+                                        <p:tgtEl>
+                                          <p:spTgt spid="3">
+                                            <p:txEl>
+                                              <p:pRg st="6" end="6"/>
+                                            </p:txEl>
+                                          </p:spTgt>
+                                        </p:tgtEl>
+                                        <p:attrNameLst>
+                                          <p:attrName>style.visibility</p:attrName>
+                                        </p:attrNameLst>
+                                      </p:cBhvr>
+                                      <p:to>
+                                        <p:strVal val="visible"/>
+                                      </p:to>
+                                    </p:set>
+                                    <p:animEffect transition="in" filter="fade">
+                                      <p:cBhvr>
+                                        <p:cTn id="23" dur="500"/>
+                                        <p:tgtEl>
+                                          <p:spTgt spid="3">
+                                            <p:txEl>
+                                              <p:pRg st="6" end="6"/>
+                                            </p:txEl>
+                                          </p:spTgt>
+                                        </p:tgtEl>
+                                      </p:cBhvr>
+                                    </p:animEffect>
+                                  </p:childTnLst>
+                                </p:cTn>
+                              </p:par>
+                            </p:childTnLst>
+                          </p:cTn>
+                        </p:par>
+                      </p:childTnLst>
+                    </p:cTn>
+                  </p:par>
+                </p:childTnLst>
+              </p:cTn>
+              <p:prevCondLst>
+                <p:cond evt="onPrev" delay="0">
+                  <p:tgtEl>
+                    <p:sldTgt/>
+                  </p:tgtEl>
+                </p:cond>
+              </p:prevCondLst>
+              <p:nextCondLst>
+                <p:cond evt="onNext" delay="0">
+                  <p:tgtEl>
+                    <p:sldTgt/>
+                  </p:tgtEl>
+                </p:cond>
+              </p:nextCondLst>
+            </p:seq>
+          </p:childTnLst>
+        </p:cTn>
+      </p:par>
+    </p:tnLst>
+    <p:bldLst>
+      <p:bldP spid="3" grpId="0" uiExpand="1" build="p"/>
+    </p:bldLst>
+  </p:timing>
 </p:sld>
 </file>
 
@@ -8614,6 +11090,412 @@
   <p:clrMapOvr>
     <a:masterClrMapping/>
   </p:clrMapOvr>
+  <p:timing>
+    <p:tnLst>
+      <p:par>
+        <p:cTn id="1" dur="indefinite" restart="never" nodeType="tmRoot">
+          <p:childTnLst>
+            <p:seq concurrent="1" nextAc="seek">
+              <p:cTn id="2" dur="indefinite" nodeType="mainSeq">
+                <p:childTnLst>
+                  <p:par>
+                    <p:cTn id="3" fill="hold">
+                      <p:stCondLst>
+                        <p:cond delay="indefinite"/>
+                      </p:stCondLst>
+                      <p:childTnLst>
+                        <p:par>
+                          <p:cTn id="4" fill="hold">
+                            <p:stCondLst>
+                              <p:cond delay="0"/>
+                            </p:stCondLst>
+                            <p:childTnLst>
+                              <p:par>
+                                <p:cTn id="5" presetID="10" presetClass="entr" presetSubtype="0" fill="hold" grpId="0" nodeType="clickEffect">
+                                  <p:stCondLst>
+                                    <p:cond delay="0"/>
+                                  </p:stCondLst>
+                                  <p:childTnLst>
+                                    <p:set>
+                                      <p:cBhvr>
+                                        <p:cTn id="6" dur="1" fill="hold">
+                                          <p:stCondLst>
+                                            <p:cond delay="0"/>
+                                          </p:stCondLst>
+                                        </p:cTn>
+                                        <p:tgtEl>
+                                          <p:spTgt spid="3">
+                                            <p:txEl>
+                                              <p:pRg st="0" end="0"/>
+                                            </p:txEl>
+                                          </p:spTgt>
+                                        </p:tgtEl>
+                                        <p:attrNameLst>
+                                          <p:attrName>style.visibility</p:attrName>
+                                        </p:attrNameLst>
+                                      </p:cBhvr>
+                                      <p:to>
+                                        <p:strVal val="visible"/>
+                                      </p:to>
+                                    </p:set>
+                                    <p:animEffect transition="in" filter="fade">
+                                      <p:cBhvr>
+                                        <p:cTn id="7" dur="500"/>
+                                        <p:tgtEl>
+                                          <p:spTgt spid="3">
+                                            <p:txEl>
+                                              <p:pRg st="0" end="0"/>
+                                            </p:txEl>
+                                          </p:spTgt>
+                                        </p:tgtEl>
+                                      </p:cBhvr>
+                                    </p:animEffect>
+                                  </p:childTnLst>
+                                </p:cTn>
+                              </p:par>
+                              <p:par>
+                                <p:cTn id="8" presetID="10" presetClass="entr" presetSubtype="0" fill="hold" grpId="0" nodeType="withEffect">
+                                  <p:stCondLst>
+                                    <p:cond delay="0"/>
+                                  </p:stCondLst>
+                                  <p:childTnLst>
+                                    <p:set>
+                                      <p:cBhvr>
+                                        <p:cTn id="9" dur="1" fill="hold">
+                                          <p:stCondLst>
+                                            <p:cond delay="0"/>
+                                          </p:stCondLst>
+                                        </p:cTn>
+                                        <p:tgtEl>
+                                          <p:spTgt spid="3">
+                                            <p:txEl>
+                                              <p:pRg st="1" end="1"/>
+                                            </p:txEl>
+                                          </p:spTgt>
+                                        </p:tgtEl>
+                                        <p:attrNameLst>
+                                          <p:attrName>style.visibility</p:attrName>
+                                        </p:attrNameLst>
+                                      </p:cBhvr>
+                                      <p:to>
+                                        <p:strVal val="visible"/>
+                                      </p:to>
+                                    </p:set>
+                                    <p:animEffect transition="in" filter="fade">
+                                      <p:cBhvr>
+                                        <p:cTn id="10" dur="500"/>
+                                        <p:tgtEl>
+                                          <p:spTgt spid="3">
+                                            <p:txEl>
+                                              <p:pRg st="1" end="1"/>
+                                            </p:txEl>
+                                          </p:spTgt>
+                                        </p:tgtEl>
+                                      </p:cBhvr>
+                                    </p:animEffect>
+                                  </p:childTnLst>
+                                </p:cTn>
+                              </p:par>
+                            </p:childTnLst>
+                          </p:cTn>
+                        </p:par>
+                      </p:childTnLst>
+                    </p:cTn>
+                  </p:par>
+                  <p:par>
+                    <p:cTn id="11" fill="hold">
+                      <p:stCondLst>
+                        <p:cond delay="indefinite"/>
+                      </p:stCondLst>
+                      <p:childTnLst>
+                        <p:par>
+                          <p:cTn id="12" fill="hold">
+                            <p:stCondLst>
+                              <p:cond delay="0"/>
+                            </p:stCondLst>
+                            <p:childTnLst>
+                              <p:par>
+                                <p:cTn id="13" presetID="10" presetClass="entr" presetSubtype="0" fill="hold" grpId="0" nodeType="clickEffect">
+                                  <p:stCondLst>
+                                    <p:cond delay="0"/>
+                                  </p:stCondLst>
+                                  <p:childTnLst>
+                                    <p:set>
+                                      <p:cBhvr>
+                                        <p:cTn id="14" dur="1" fill="hold">
+                                          <p:stCondLst>
+                                            <p:cond delay="0"/>
+                                          </p:stCondLst>
+                                        </p:cTn>
+                                        <p:tgtEl>
+                                          <p:spTgt spid="3">
+                                            <p:txEl>
+                                              <p:pRg st="3" end="3"/>
+                                            </p:txEl>
+                                          </p:spTgt>
+                                        </p:tgtEl>
+                                        <p:attrNameLst>
+                                          <p:attrName>style.visibility</p:attrName>
+                                        </p:attrNameLst>
+                                      </p:cBhvr>
+                                      <p:to>
+                                        <p:strVal val="visible"/>
+                                      </p:to>
+                                    </p:set>
+                                    <p:animEffect transition="in" filter="fade">
+                                      <p:cBhvr>
+                                        <p:cTn id="15" dur="500"/>
+                                        <p:tgtEl>
+                                          <p:spTgt spid="3">
+                                            <p:txEl>
+                                              <p:pRg st="3" end="3"/>
+                                            </p:txEl>
+                                          </p:spTgt>
+                                        </p:tgtEl>
+                                      </p:cBhvr>
+                                    </p:animEffect>
+                                  </p:childTnLst>
+                                </p:cTn>
+                              </p:par>
+                            </p:childTnLst>
+                          </p:cTn>
+                        </p:par>
+                      </p:childTnLst>
+                    </p:cTn>
+                  </p:par>
+                  <p:par>
+                    <p:cTn id="16" fill="hold">
+                      <p:stCondLst>
+                        <p:cond delay="indefinite"/>
+                      </p:stCondLst>
+                      <p:childTnLst>
+                        <p:par>
+                          <p:cTn id="17" fill="hold">
+                            <p:stCondLst>
+                              <p:cond delay="0"/>
+                            </p:stCondLst>
+                            <p:childTnLst>
+                              <p:par>
+                                <p:cTn id="18" presetID="10" presetClass="entr" presetSubtype="0" fill="hold" grpId="0" nodeType="clickEffect">
+                                  <p:stCondLst>
+                                    <p:cond delay="0"/>
+                                  </p:stCondLst>
+                                  <p:childTnLst>
+                                    <p:set>
+                                      <p:cBhvr>
+                                        <p:cTn id="19" dur="1" fill="hold">
+                                          <p:stCondLst>
+                                            <p:cond delay="0"/>
+                                          </p:stCondLst>
+                                        </p:cTn>
+                                        <p:tgtEl>
+                                          <p:spTgt spid="3">
+                                            <p:txEl>
+                                              <p:pRg st="4" end="4"/>
+                                            </p:txEl>
+                                          </p:spTgt>
+                                        </p:tgtEl>
+                                        <p:attrNameLst>
+                                          <p:attrName>style.visibility</p:attrName>
+                                        </p:attrNameLst>
+                                      </p:cBhvr>
+                                      <p:to>
+                                        <p:strVal val="visible"/>
+                                      </p:to>
+                                    </p:set>
+                                    <p:animEffect transition="in" filter="fade">
+                                      <p:cBhvr>
+                                        <p:cTn id="20" dur="500"/>
+                                        <p:tgtEl>
+                                          <p:spTgt spid="3">
+                                            <p:txEl>
+                                              <p:pRg st="4" end="4"/>
+                                            </p:txEl>
+                                          </p:spTgt>
+                                        </p:tgtEl>
+                                      </p:cBhvr>
+                                    </p:animEffect>
+                                  </p:childTnLst>
+                                </p:cTn>
+                              </p:par>
+                              <p:par>
+                                <p:cTn id="21" presetID="10" presetClass="entr" presetSubtype="0" fill="hold" grpId="0" nodeType="withEffect">
+                                  <p:stCondLst>
+                                    <p:cond delay="0"/>
+                                  </p:stCondLst>
+                                  <p:childTnLst>
+                                    <p:set>
+                                      <p:cBhvr>
+                                        <p:cTn id="22" dur="1" fill="hold">
+                                          <p:stCondLst>
+                                            <p:cond delay="0"/>
+                                          </p:stCondLst>
+                                        </p:cTn>
+                                        <p:tgtEl>
+                                          <p:spTgt spid="3">
+                                            <p:txEl>
+                                              <p:pRg st="5" end="5"/>
+                                            </p:txEl>
+                                          </p:spTgt>
+                                        </p:tgtEl>
+                                        <p:attrNameLst>
+                                          <p:attrName>style.visibility</p:attrName>
+                                        </p:attrNameLst>
+                                      </p:cBhvr>
+                                      <p:to>
+                                        <p:strVal val="visible"/>
+                                      </p:to>
+                                    </p:set>
+                                    <p:animEffect transition="in" filter="fade">
+                                      <p:cBhvr>
+                                        <p:cTn id="23" dur="500"/>
+                                        <p:tgtEl>
+                                          <p:spTgt spid="3">
+                                            <p:txEl>
+                                              <p:pRg st="5" end="5"/>
+                                            </p:txEl>
+                                          </p:spTgt>
+                                        </p:tgtEl>
+                                      </p:cBhvr>
+                                    </p:animEffect>
+                                  </p:childTnLst>
+                                </p:cTn>
+                              </p:par>
+                            </p:childTnLst>
+                          </p:cTn>
+                        </p:par>
+                      </p:childTnLst>
+                    </p:cTn>
+                  </p:par>
+                  <p:par>
+                    <p:cTn id="24" fill="hold">
+                      <p:stCondLst>
+                        <p:cond delay="indefinite"/>
+                      </p:stCondLst>
+                      <p:childTnLst>
+                        <p:par>
+                          <p:cTn id="25" fill="hold">
+                            <p:stCondLst>
+                              <p:cond delay="0"/>
+                            </p:stCondLst>
+                            <p:childTnLst>
+                              <p:par>
+                                <p:cTn id="26" presetID="10" presetClass="entr" presetSubtype="0" fill="hold" grpId="0" nodeType="clickEffect">
+                                  <p:stCondLst>
+                                    <p:cond delay="0"/>
+                                  </p:stCondLst>
+                                  <p:childTnLst>
+                                    <p:set>
+                                      <p:cBhvr>
+                                        <p:cTn id="27" dur="1" fill="hold">
+                                          <p:stCondLst>
+                                            <p:cond delay="0"/>
+                                          </p:stCondLst>
+                                        </p:cTn>
+                                        <p:tgtEl>
+                                          <p:spTgt spid="3">
+                                            <p:txEl>
+                                              <p:pRg st="6" end="6"/>
+                                            </p:txEl>
+                                          </p:spTgt>
+                                        </p:tgtEl>
+                                        <p:attrNameLst>
+                                          <p:attrName>style.visibility</p:attrName>
+                                        </p:attrNameLst>
+                                      </p:cBhvr>
+                                      <p:to>
+                                        <p:strVal val="visible"/>
+                                      </p:to>
+                                    </p:set>
+                                    <p:animEffect transition="in" filter="fade">
+                                      <p:cBhvr>
+                                        <p:cTn id="28" dur="500"/>
+                                        <p:tgtEl>
+                                          <p:spTgt spid="3">
+                                            <p:txEl>
+                                              <p:pRg st="6" end="6"/>
+                                            </p:txEl>
+                                          </p:spTgt>
+                                        </p:tgtEl>
+                                      </p:cBhvr>
+                                    </p:animEffect>
+                                  </p:childTnLst>
+                                </p:cTn>
+                              </p:par>
+                              <p:par>
+                                <p:cTn id="29" presetID="10" presetClass="entr" presetSubtype="0" fill="hold" grpId="0" nodeType="withEffect">
+                                  <p:stCondLst>
+                                    <p:cond delay="0"/>
+                                  </p:stCondLst>
+                                  <p:childTnLst>
+                                    <p:set>
+                                      <p:cBhvr>
+                                        <p:cTn id="30" dur="1" fill="hold">
+                                          <p:stCondLst>
+                                            <p:cond delay="0"/>
+                                          </p:stCondLst>
+                                        </p:cTn>
+                                        <p:tgtEl>
+                                          <p:spTgt spid="3">
+                                            <p:txEl>
+                                              <p:pRg st="7" end="7"/>
+                                            </p:txEl>
+                                          </p:spTgt>
+                                        </p:tgtEl>
+                                        <p:attrNameLst>
+                                          <p:attrName>style.visibility</p:attrName>
+                                        </p:attrNameLst>
+                                      </p:cBhvr>
+                                      <p:to>
+                                        <p:strVal val="visible"/>
+                                      </p:to>
+                                    </p:set>
+                                    <p:animEffect transition="in" filter="fade">
+                                      <p:cBhvr>
+                                        <p:cTn id="31" dur="500"/>
+                                        <p:tgtEl>
+                                          <p:spTgt spid="3">
+                                            <p:txEl>
+                                              <p:pRg st="7" end="7"/>
+                                            </p:txEl>
+                                          </p:spTgt>
+                                        </p:tgtEl>
+                                      </p:cBhvr>
+                                    </p:animEffect>
+                                  </p:childTnLst>
+                                </p:cTn>
+                              </p:par>
+                            </p:childTnLst>
+                          </p:cTn>
+                        </p:par>
+                      </p:childTnLst>
+                    </p:cTn>
+                  </p:par>
+                </p:childTnLst>
+              </p:cTn>
+              <p:prevCondLst>
+                <p:cond evt="onPrev" delay="0">
+                  <p:tgtEl>
+                    <p:sldTgt/>
+                  </p:tgtEl>
+                </p:cond>
+              </p:prevCondLst>
+              <p:nextCondLst>
+                <p:cond evt="onNext" delay="0">
+                  <p:tgtEl>
+                    <p:sldTgt/>
+                  </p:tgtEl>
+                </p:cond>
+              </p:nextCondLst>
+            </p:seq>
+          </p:childTnLst>
+        </p:cTn>
+      </p:par>
+    </p:tnLst>
+    <p:bldLst>
+      <p:bldP spid="3" grpId="0" uiExpand="1" build="p"/>
+    </p:bldLst>
+  </p:timing>
 </p:sld>
 </file>
 
@@ -8790,6 +11672,283 @@
   <p:clrMapOvr>
     <a:masterClrMapping/>
   </p:clrMapOvr>
+  <p:timing>
+    <p:tnLst>
+      <p:par>
+        <p:cTn id="1" dur="indefinite" restart="never" nodeType="tmRoot">
+          <p:childTnLst>
+            <p:seq concurrent="1" nextAc="seek">
+              <p:cTn id="2" dur="indefinite" nodeType="mainSeq">
+                <p:childTnLst>
+                  <p:par>
+                    <p:cTn id="3" fill="hold">
+                      <p:stCondLst>
+                        <p:cond delay="indefinite"/>
+                      </p:stCondLst>
+                      <p:childTnLst>
+                        <p:par>
+                          <p:cTn id="4" fill="hold">
+                            <p:stCondLst>
+                              <p:cond delay="0"/>
+                            </p:stCondLst>
+                            <p:childTnLst>
+                              <p:par>
+                                <p:cTn id="5" presetID="10" presetClass="entr" presetSubtype="0" fill="hold" grpId="0" nodeType="clickEffect">
+                                  <p:stCondLst>
+                                    <p:cond delay="0"/>
+                                  </p:stCondLst>
+                                  <p:childTnLst>
+                                    <p:set>
+                                      <p:cBhvr>
+                                        <p:cTn id="6" dur="1" fill="hold">
+                                          <p:stCondLst>
+                                            <p:cond delay="0"/>
+                                          </p:stCondLst>
+                                        </p:cTn>
+                                        <p:tgtEl>
+                                          <p:spTgt spid="3">
+                                            <p:txEl>
+                                              <p:pRg st="0" end="0"/>
+                                            </p:txEl>
+                                          </p:spTgt>
+                                        </p:tgtEl>
+                                        <p:attrNameLst>
+                                          <p:attrName>style.visibility</p:attrName>
+                                        </p:attrNameLst>
+                                      </p:cBhvr>
+                                      <p:to>
+                                        <p:strVal val="visible"/>
+                                      </p:to>
+                                    </p:set>
+                                    <p:animEffect transition="in" filter="fade">
+                                      <p:cBhvr>
+                                        <p:cTn id="7" dur="500"/>
+                                        <p:tgtEl>
+                                          <p:spTgt spid="3">
+                                            <p:txEl>
+                                              <p:pRg st="0" end="0"/>
+                                            </p:txEl>
+                                          </p:spTgt>
+                                        </p:tgtEl>
+                                      </p:cBhvr>
+                                    </p:animEffect>
+                                  </p:childTnLst>
+                                </p:cTn>
+                              </p:par>
+                            </p:childTnLst>
+                          </p:cTn>
+                        </p:par>
+                      </p:childTnLst>
+                    </p:cTn>
+                  </p:par>
+                  <p:par>
+                    <p:cTn id="8" fill="hold">
+                      <p:stCondLst>
+                        <p:cond delay="indefinite"/>
+                      </p:stCondLst>
+                      <p:childTnLst>
+                        <p:par>
+                          <p:cTn id="9" fill="hold">
+                            <p:stCondLst>
+                              <p:cond delay="0"/>
+                            </p:stCondLst>
+                            <p:childTnLst>
+                              <p:par>
+                                <p:cTn id="10" presetID="10" presetClass="entr" presetSubtype="0" fill="hold" grpId="0" nodeType="clickEffect">
+                                  <p:stCondLst>
+                                    <p:cond delay="0"/>
+                                  </p:stCondLst>
+                                  <p:childTnLst>
+                                    <p:set>
+                                      <p:cBhvr>
+                                        <p:cTn id="11" dur="1" fill="hold">
+                                          <p:stCondLst>
+                                            <p:cond delay="0"/>
+                                          </p:stCondLst>
+                                        </p:cTn>
+                                        <p:tgtEl>
+                                          <p:spTgt spid="3">
+                                            <p:txEl>
+                                              <p:pRg st="2" end="2"/>
+                                            </p:txEl>
+                                          </p:spTgt>
+                                        </p:tgtEl>
+                                        <p:attrNameLst>
+                                          <p:attrName>style.visibility</p:attrName>
+                                        </p:attrNameLst>
+                                      </p:cBhvr>
+                                      <p:to>
+                                        <p:strVal val="visible"/>
+                                      </p:to>
+                                    </p:set>
+                                    <p:animEffect transition="in" filter="fade">
+                                      <p:cBhvr>
+                                        <p:cTn id="12" dur="500"/>
+                                        <p:tgtEl>
+                                          <p:spTgt spid="3">
+                                            <p:txEl>
+                                              <p:pRg st="2" end="2"/>
+                                            </p:txEl>
+                                          </p:spTgt>
+                                        </p:tgtEl>
+                                      </p:cBhvr>
+                                    </p:animEffect>
+                                  </p:childTnLst>
+                                </p:cTn>
+                              </p:par>
+                            </p:childTnLst>
+                          </p:cTn>
+                        </p:par>
+                      </p:childTnLst>
+                    </p:cTn>
+                  </p:par>
+                  <p:par>
+                    <p:cTn id="13" fill="hold">
+                      <p:stCondLst>
+                        <p:cond delay="indefinite"/>
+                      </p:stCondLst>
+                      <p:childTnLst>
+                        <p:par>
+                          <p:cTn id="14" fill="hold">
+                            <p:stCondLst>
+                              <p:cond delay="0"/>
+                            </p:stCondLst>
+                            <p:childTnLst>
+                              <p:par>
+                                <p:cTn id="15" presetID="10" presetClass="entr" presetSubtype="0" fill="hold" grpId="0" nodeType="clickEffect">
+                                  <p:stCondLst>
+                                    <p:cond delay="0"/>
+                                  </p:stCondLst>
+                                  <p:childTnLst>
+                                    <p:set>
+                                      <p:cBhvr>
+                                        <p:cTn id="16" dur="1" fill="hold">
+                                          <p:stCondLst>
+                                            <p:cond delay="0"/>
+                                          </p:stCondLst>
+                                        </p:cTn>
+                                        <p:tgtEl>
+                                          <p:spTgt spid="3">
+                                            <p:txEl>
+                                              <p:pRg st="4" end="4"/>
+                                            </p:txEl>
+                                          </p:spTgt>
+                                        </p:tgtEl>
+                                        <p:attrNameLst>
+                                          <p:attrName>style.visibility</p:attrName>
+                                        </p:attrNameLst>
+                                      </p:cBhvr>
+                                      <p:to>
+                                        <p:strVal val="visible"/>
+                                      </p:to>
+                                    </p:set>
+                                    <p:animEffect transition="in" filter="fade">
+                                      <p:cBhvr>
+                                        <p:cTn id="17" dur="500"/>
+                                        <p:tgtEl>
+                                          <p:spTgt spid="3">
+                                            <p:txEl>
+                                              <p:pRg st="4" end="4"/>
+                                            </p:txEl>
+                                          </p:spTgt>
+                                        </p:tgtEl>
+                                      </p:cBhvr>
+                                    </p:animEffect>
+                                  </p:childTnLst>
+                                </p:cTn>
+                              </p:par>
+                            </p:childTnLst>
+                          </p:cTn>
+                        </p:par>
+                      </p:childTnLst>
+                    </p:cTn>
+                  </p:par>
+                  <p:par>
+                    <p:cTn id="18" fill="hold">
+                      <p:stCondLst>
+                        <p:cond delay="indefinite"/>
+                      </p:stCondLst>
+                      <p:childTnLst>
+                        <p:par>
+                          <p:cTn id="19" fill="hold">
+                            <p:stCondLst>
+                              <p:cond delay="0"/>
+                            </p:stCondLst>
+                            <p:childTnLst>
+                              <p:par>
+                                <p:cTn id="20" presetID="10" presetClass="entr" presetSubtype="0" fill="hold" grpId="0" nodeType="clickEffect">
+                                  <p:stCondLst>
+                                    <p:cond delay="0"/>
+                                  </p:stCondLst>
+                                  <p:childTnLst>
+                                    <p:set>
+                                      <p:cBhvr>
+                                        <p:cTn id="21" dur="1" fill="hold">
+                                          <p:stCondLst>
+                                            <p:cond delay="0"/>
+                                          </p:stCondLst>
+                                        </p:cTn>
+                                        <p:tgtEl>
+                                          <p:spTgt spid="3">
+                                            <p:txEl>
+                                              <p:pRg st="6" end="6"/>
+                                            </p:txEl>
+                                          </p:spTgt>
+                                        </p:tgtEl>
+                                        <p:attrNameLst>
+                                          <p:attrName>style.visibility</p:attrName>
+                                        </p:attrNameLst>
+                                      </p:cBhvr>
+                                      <p:to>
+                                        <p:strVal val="visible"/>
+                                      </p:to>
+                                    </p:set>
+                                    <p:animEffect transition="in" filter="fade">
+                                      <p:cBhvr>
+                                        <p:cTn id="22" dur="500"/>
+                                        <p:tgtEl>
+                                          <p:spTgt spid="3">
+                                            <p:txEl>
+                                              <p:pRg st="6" end="6"/>
+                                            </p:txEl>
+                                          </p:spTgt>
+                                        </p:tgtEl>
+                                      </p:cBhvr>
+                                    </p:animEffect>
+                                  </p:childTnLst>
+                                </p:cTn>
+                              </p:par>
+                            </p:childTnLst>
+                          </p:cTn>
+                        </p:par>
+                      </p:childTnLst>
+                    </p:cTn>
+                  </p:par>
+                </p:childTnLst>
+              </p:cTn>
+              <p:prevCondLst>
+                <p:cond evt="onPrev" delay="0">
+                  <p:tgtEl>
+                    <p:sldTgt/>
+                  </p:tgtEl>
+                </p:cond>
+              </p:prevCondLst>
+              <p:nextCondLst>
+                <p:cond evt="onNext" delay="0">
+                  <p:tgtEl>
+                    <p:sldTgt/>
+                  </p:tgtEl>
+                </p:cond>
+              </p:nextCondLst>
+            </p:seq>
+          </p:childTnLst>
+        </p:cTn>
+      </p:par>
+    </p:tnLst>
+    <p:bldLst>
+      <p:bldP spid="3" grpId="0" uiExpand="1" build="p"/>
+    </p:bldLst>
+  </p:timing>
 </p:sld>
 </file>
 
@@ -8991,6 +12150,387 @@
   <p:clrMapOvr>
     <a:masterClrMapping/>
   </p:clrMapOvr>
+  <p:timing>
+    <p:tnLst>
+      <p:par>
+        <p:cTn id="1" dur="indefinite" restart="never" nodeType="tmRoot">
+          <p:childTnLst>
+            <p:seq concurrent="1" nextAc="seek">
+              <p:cTn id="2" dur="indefinite" nodeType="mainSeq">
+                <p:childTnLst>
+                  <p:par>
+                    <p:cTn id="3" fill="hold">
+                      <p:stCondLst>
+                        <p:cond delay="indefinite"/>
+                      </p:stCondLst>
+                      <p:childTnLst>
+                        <p:par>
+                          <p:cTn id="4" fill="hold">
+                            <p:stCondLst>
+                              <p:cond delay="0"/>
+                            </p:stCondLst>
+                            <p:childTnLst>
+                              <p:par>
+                                <p:cTn id="5" presetID="10" presetClass="entr" presetSubtype="0" fill="hold" grpId="0" nodeType="clickEffect">
+                                  <p:stCondLst>
+                                    <p:cond delay="0"/>
+                                  </p:stCondLst>
+                                  <p:childTnLst>
+                                    <p:set>
+                                      <p:cBhvr>
+                                        <p:cTn id="6" dur="1" fill="hold">
+                                          <p:stCondLst>
+                                            <p:cond delay="0"/>
+                                          </p:stCondLst>
+                                        </p:cTn>
+                                        <p:tgtEl>
+                                          <p:spTgt spid="3">
+                                            <p:txEl>
+                                              <p:pRg st="0" end="0"/>
+                                            </p:txEl>
+                                          </p:spTgt>
+                                        </p:tgtEl>
+                                        <p:attrNameLst>
+                                          <p:attrName>style.visibility</p:attrName>
+                                        </p:attrNameLst>
+                                      </p:cBhvr>
+                                      <p:to>
+                                        <p:strVal val="visible"/>
+                                      </p:to>
+                                    </p:set>
+                                    <p:animEffect transition="in" filter="fade">
+                                      <p:cBhvr>
+                                        <p:cTn id="7" dur="500"/>
+                                        <p:tgtEl>
+                                          <p:spTgt spid="3">
+                                            <p:txEl>
+                                              <p:pRg st="0" end="0"/>
+                                            </p:txEl>
+                                          </p:spTgt>
+                                        </p:tgtEl>
+                                      </p:cBhvr>
+                                    </p:animEffect>
+                                  </p:childTnLst>
+                                </p:cTn>
+                              </p:par>
+                            </p:childTnLst>
+                          </p:cTn>
+                        </p:par>
+                      </p:childTnLst>
+                    </p:cTn>
+                  </p:par>
+                  <p:par>
+                    <p:cTn id="8" fill="hold">
+                      <p:stCondLst>
+                        <p:cond delay="indefinite"/>
+                      </p:stCondLst>
+                      <p:childTnLst>
+                        <p:par>
+                          <p:cTn id="9" fill="hold">
+                            <p:stCondLst>
+                              <p:cond delay="0"/>
+                            </p:stCondLst>
+                            <p:childTnLst>
+                              <p:par>
+                                <p:cTn id="10" presetID="10" presetClass="entr" presetSubtype="0" fill="hold" grpId="0" nodeType="clickEffect">
+                                  <p:stCondLst>
+                                    <p:cond delay="0"/>
+                                  </p:stCondLst>
+                                  <p:childTnLst>
+                                    <p:set>
+                                      <p:cBhvr>
+                                        <p:cTn id="11" dur="1" fill="hold">
+                                          <p:stCondLst>
+                                            <p:cond delay="0"/>
+                                          </p:stCondLst>
+                                        </p:cTn>
+                                        <p:tgtEl>
+                                          <p:spTgt spid="3">
+                                            <p:txEl>
+                                              <p:pRg st="2" end="2"/>
+                                            </p:txEl>
+                                          </p:spTgt>
+                                        </p:tgtEl>
+                                        <p:attrNameLst>
+                                          <p:attrName>style.visibility</p:attrName>
+                                        </p:attrNameLst>
+                                      </p:cBhvr>
+                                      <p:to>
+                                        <p:strVal val="visible"/>
+                                      </p:to>
+                                    </p:set>
+                                    <p:animEffect transition="in" filter="fade">
+                                      <p:cBhvr>
+                                        <p:cTn id="12" dur="500"/>
+                                        <p:tgtEl>
+                                          <p:spTgt spid="3">
+                                            <p:txEl>
+                                              <p:pRg st="2" end="2"/>
+                                            </p:txEl>
+                                          </p:spTgt>
+                                        </p:tgtEl>
+                                      </p:cBhvr>
+                                    </p:animEffect>
+                                  </p:childTnLst>
+                                </p:cTn>
+                              </p:par>
+                            </p:childTnLst>
+                          </p:cTn>
+                        </p:par>
+                      </p:childTnLst>
+                    </p:cTn>
+                  </p:par>
+                  <p:par>
+                    <p:cTn id="13" fill="hold">
+                      <p:stCondLst>
+                        <p:cond delay="indefinite"/>
+                      </p:stCondLst>
+                      <p:childTnLst>
+                        <p:par>
+                          <p:cTn id="14" fill="hold">
+                            <p:stCondLst>
+                              <p:cond delay="0"/>
+                            </p:stCondLst>
+                            <p:childTnLst>
+                              <p:par>
+                                <p:cTn id="15" presetID="10" presetClass="entr" presetSubtype="0" fill="hold" grpId="0" nodeType="clickEffect">
+                                  <p:stCondLst>
+                                    <p:cond delay="0"/>
+                                  </p:stCondLst>
+                                  <p:childTnLst>
+                                    <p:set>
+                                      <p:cBhvr>
+                                        <p:cTn id="16" dur="1" fill="hold">
+                                          <p:stCondLst>
+                                            <p:cond delay="0"/>
+                                          </p:stCondLst>
+                                        </p:cTn>
+                                        <p:tgtEl>
+                                          <p:spTgt spid="3">
+                                            <p:txEl>
+                                              <p:pRg st="4" end="4"/>
+                                            </p:txEl>
+                                          </p:spTgt>
+                                        </p:tgtEl>
+                                        <p:attrNameLst>
+                                          <p:attrName>style.visibility</p:attrName>
+                                        </p:attrNameLst>
+                                      </p:cBhvr>
+                                      <p:to>
+                                        <p:strVal val="visible"/>
+                                      </p:to>
+                                    </p:set>
+                                    <p:animEffect transition="in" filter="fade">
+                                      <p:cBhvr>
+                                        <p:cTn id="17" dur="500"/>
+                                        <p:tgtEl>
+                                          <p:spTgt spid="3">
+                                            <p:txEl>
+                                              <p:pRg st="4" end="4"/>
+                                            </p:txEl>
+                                          </p:spTgt>
+                                        </p:tgtEl>
+                                      </p:cBhvr>
+                                    </p:animEffect>
+                                  </p:childTnLst>
+                                </p:cTn>
+                              </p:par>
+                            </p:childTnLst>
+                          </p:cTn>
+                        </p:par>
+                      </p:childTnLst>
+                    </p:cTn>
+                  </p:par>
+                  <p:par>
+                    <p:cTn id="18" fill="hold">
+                      <p:stCondLst>
+                        <p:cond delay="indefinite"/>
+                      </p:stCondLst>
+                      <p:childTnLst>
+                        <p:par>
+                          <p:cTn id="19" fill="hold">
+                            <p:stCondLst>
+                              <p:cond delay="0"/>
+                            </p:stCondLst>
+                            <p:childTnLst>
+                              <p:par>
+                                <p:cTn id="20" presetID="10" presetClass="entr" presetSubtype="0" fill="hold" grpId="0" nodeType="clickEffect">
+                                  <p:stCondLst>
+                                    <p:cond delay="0"/>
+                                  </p:stCondLst>
+                                  <p:childTnLst>
+                                    <p:set>
+                                      <p:cBhvr>
+                                        <p:cTn id="21" dur="1" fill="hold">
+                                          <p:stCondLst>
+                                            <p:cond delay="0"/>
+                                          </p:stCondLst>
+                                        </p:cTn>
+                                        <p:tgtEl>
+                                          <p:spTgt spid="3">
+                                            <p:txEl>
+                                              <p:pRg st="6" end="6"/>
+                                            </p:txEl>
+                                          </p:spTgt>
+                                        </p:tgtEl>
+                                        <p:attrNameLst>
+                                          <p:attrName>style.visibility</p:attrName>
+                                        </p:attrNameLst>
+                                      </p:cBhvr>
+                                      <p:to>
+                                        <p:strVal val="visible"/>
+                                      </p:to>
+                                    </p:set>
+                                    <p:animEffect transition="in" filter="fade">
+                                      <p:cBhvr>
+                                        <p:cTn id="22" dur="500"/>
+                                        <p:tgtEl>
+                                          <p:spTgt spid="3">
+                                            <p:txEl>
+                                              <p:pRg st="6" end="6"/>
+                                            </p:txEl>
+                                          </p:spTgt>
+                                        </p:tgtEl>
+                                      </p:cBhvr>
+                                    </p:animEffect>
+                                  </p:childTnLst>
+                                </p:cTn>
+                              </p:par>
+                              <p:par>
+                                <p:cTn id="23" presetID="10" presetClass="entr" presetSubtype="0" fill="hold" grpId="0" nodeType="withEffect">
+                                  <p:stCondLst>
+                                    <p:cond delay="0"/>
+                                  </p:stCondLst>
+                                  <p:childTnLst>
+                                    <p:set>
+                                      <p:cBhvr>
+                                        <p:cTn id="24" dur="1" fill="hold">
+                                          <p:stCondLst>
+                                            <p:cond delay="0"/>
+                                          </p:stCondLst>
+                                        </p:cTn>
+                                        <p:tgtEl>
+                                          <p:spTgt spid="3">
+                                            <p:txEl>
+                                              <p:pRg st="7" end="7"/>
+                                            </p:txEl>
+                                          </p:spTgt>
+                                        </p:tgtEl>
+                                        <p:attrNameLst>
+                                          <p:attrName>style.visibility</p:attrName>
+                                        </p:attrNameLst>
+                                      </p:cBhvr>
+                                      <p:to>
+                                        <p:strVal val="visible"/>
+                                      </p:to>
+                                    </p:set>
+                                    <p:animEffect transition="in" filter="fade">
+                                      <p:cBhvr>
+                                        <p:cTn id="25" dur="500"/>
+                                        <p:tgtEl>
+                                          <p:spTgt spid="3">
+                                            <p:txEl>
+                                              <p:pRg st="7" end="7"/>
+                                            </p:txEl>
+                                          </p:spTgt>
+                                        </p:tgtEl>
+                                      </p:cBhvr>
+                                    </p:animEffect>
+                                  </p:childTnLst>
+                                </p:cTn>
+                              </p:par>
+                            </p:childTnLst>
+                          </p:cTn>
+                        </p:par>
+                      </p:childTnLst>
+                    </p:cTn>
+                  </p:par>
+                  <p:par>
+                    <p:cTn id="26" fill="hold">
+                      <p:stCondLst>
+                        <p:cond delay="indefinite"/>
+                      </p:stCondLst>
+                      <p:childTnLst>
+                        <p:par>
+                          <p:cTn id="27" fill="hold">
+                            <p:stCondLst>
+                              <p:cond delay="0"/>
+                            </p:stCondLst>
+                            <p:childTnLst>
+                              <p:par>
+                                <p:cTn id="28" presetID="10" presetClass="entr" presetSubtype="0" fill="hold" grpId="0" nodeType="clickEffect">
+                                  <p:stCondLst>
+                                    <p:cond delay="0"/>
+                                  </p:stCondLst>
+                                  <p:childTnLst>
+                                    <p:set>
+                                      <p:cBhvr>
+                                        <p:cTn id="29" dur="1" fill="hold">
+                                          <p:stCondLst>
+                                            <p:cond delay="0"/>
+                                          </p:stCondLst>
+                                        </p:cTn>
+                                        <p:tgtEl>
+                                          <p:spTgt spid="3">
+                                            <p:txEl>
+                                              <p:pRg st="9" end="9"/>
+                                            </p:txEl>
+                                          </p:spTgt>
+                                        </p:tgtEl>
+                                        <p:attrNameLst>
+                                          <p:attrName>style.visibility</p:attrName>
+                                        </p:attrNameLst>
+                                      </p:cBhvr>
+                                      <p:to>
+                                        <p:strVal val="visible"/>
+                                      </p:to>
+                                    </p:set>
+                                    <p:animEffect transition="in" filter="fade">
+                                      <p:cBhvr>
+                                        <p:cTn id="30" dur="500"/>
+                                        <p:tgtEl>
+                                          <p:spTgt spid="3">
+                                            <p:txEl>
+                                              <p:pRg st="9" end="9"/>
+                                            </p:txEl>
+                                          </p:spTgt>
+                                        </p:tgtEl>
+                                      </p:cBhvr>
+                                    </p:animEffect>
+                                  </p:childTnLst>
+                                </p:cTn>
+                              </p:par>
+                            </p:childTnLst>
+                          </p:cTn>
+                        </p:par>
+                      </p:childTnLst>
+                    </p:cTn>
+                  </p:par>
+                </p:childTnLst>
+              </p:cTn>
+              <p:prevCondLst>
+                <p:cond evt="onPrev" delay="0">
+                  <p:tgtEl>
+                    <p:sldTgt/>
+                  </p:tgtEl>
+                </p:cond>
+              </p:prevCondLst>
+              <p:nextCondLst>
+                <p:cond evt="onNext" delay="0">
+                  <p:tgtEl>
+                    <p:sldTgt/>
+                  </p:tgtEl>
+                </p:cond>
+              </p:nextCondLst>
+            </p:seq>
+          </p:childTnLst>
+        </p:cTn>
+      </p:par>
+    </p:tnLst>
+    <p:bldLst>
+      <p:bldP spid="3" grpId="0" uiExpand="1" build="p"/>
+    </p:bldLst>
+  </p:timing>
 </p:sld>
 </file>
 
